--- a/new_slides/IR.pptx
+++ b/new_slides/IR.pptx
@@ -5,7 +5,7 @@
     <p:sldMasterId id="2147483897" r:id="rId1"/>
   </p:sldMasterIdLst>
   <p:notesMasterIdLst>
-    <p:notesMasterId r:id="rId46"/>
+    <p:notesMasterId r:id="rId47"/>
   </p:notesMasterIdLst>
   <p:sldIdLst>
     <p:sldId id="417" r:id="rId2"/>
@@ -48,10 +48,11 @@
     <p:sldId id="601" r:id="rId39"/>
     <p:sldId id="626" r:id="rId40"/>
     <p:sldId id="628" r:id="rId41"/>
-    <p:sldId id="627" r:id="rId42"/>
-    <p:sldId id="608" r:id="rId43"/>
-    <p:sldId id="606" r:id="rId44"/>
-    <p:sldId id="607" r:id="rId45"/>
+    <p:sldId id="629" r:id="rId42"/>
+    <p:sldId id="627" r:id="rId43"/>
+    <p:sldId id="608" r:id="rId44"/>
+    <p:sldId id="606" r:id="rId45"/>
+    <p:sldId id="607" r:id="rId46"/>
   </p:sldIdLst>
   <p:sldSz cx="12192000" cy="6858000"/>
   <p:notesSz cx="6858000" cy="9144000"/>
@@ -240,7 +241,7 @@
           <a:p>
             <a:fld id="{912166FD-9A85-48B8-B5C8-1A087ED81368}" type="datetimeFigureOut">
               <a:rPr lang="en-US" smtClean="0"/>
-              <a:t>12/31/2019</a:t>
+              <a:t>9/15/2021</a:t>
             </a:fld>
             <a:endParaRPr lang="en-US"/>
           </a:p>
@@ -3186,7 +3187,7 @@
     </p:spTree>
     <p:extLst>
       <p:ext uri="{BB962C8B-B14F-4D97-AF65-F5344CB8AC3E}">
-        <p14:creationId xmlns:p14="http://schemas.microsoft.com/office/powerpoint/2010/main" val="3240470244"/>
+        <p14:creationId xmlns:p14="http://schemas.microsoft.com/office/powerpoint/2010/main" val="1258708298"/>
       </p:ext>
     </p:extLst>
   </p:cSld>
@@ -3270,7 +3271,7 @@
     </p:spTree>
     <p:extLst>
       <p:ext uri="{BB962C8B-B14F-4D97-AF65-F5344CB8AC3E}">
-        <p14:creationId xmlns:p14="http://schemas.microsoft.com/office/powerpoint/2010/main" val="3093238998"/>
+        <p14:creationId xmlns:p14="http://schemas.microsoft.com/office/powerpoint/2010/main" val="3240470244"/>
       </p:ext>
     </p:extLst>
   </p:cSld>
@@ -3438,7 +3439,7 @@
     </p:spTree>
     <p:extLst>
       <p:ext uri="{BB962C8B-B14F-4D97-AF65-F5344CB8AC3E}">
-        <p14:creationId xmlns:p14="http://schemas.microsoft.com/office/powerpoint/2010/main" val="1225050118"/>
+        <p14:creationId xmlns:p14="http://schemas.microsoft.com/office/powerpoint/2010/main" val="3093238998"/>
       </p:ext>
     </p:extLst>
   </p:cSld>
@@ -3492,6 +3493,10 @@
           <a:bodyPr/>
           <a:lstStyle/>
           <a:p>
+            <a:r>
+              <a:rPr lang="en-US" dirty="0" smtClean="0"/>
+              <a:t>Remove?</a:t>
+            </a:r>
             <a:endParaRPr lang="en-US" dirty="0"/>
           </a:p>
         </p:txBody>
@@ -3514,6 +3519,113 @@
             <a:fld id="{5EC95FEE-7BD5-4386-98BE-4A9F100A6576}" type="slidenum">
               <a:rPr lang="en-US" smtClean="0"/>
               <a:t>44</a:t>
+            </a:fld>
+            <a:endParaRPr lang="en-US"/>
+          </a:p>
+        </p:txBody>
+      </p:sp>
+    </p:spTree>
+    <p:extLst>
+      <p:ext uri="{BB962C8B-B14F-4D97-AF65-F5344CB8AC3E}">
+        <p14:creationId xmlns:p14="http://schemas.microsoft.com/office/powerpoint/2010/main" val="1225050118"/>
+      </p:ext>
+    </p:extLst>
+  </p:cSld>
+  <p:clrMapOvr>
+    <a:masterClrMapping/>
+  </p:clrMapOvr>
+</p:notes>
+</file>
+
+<file path=ppt/notesSlides/notesSlide42.xml><?xml version="1.0" encoding="utf-8"?>
+<p:notes xmlns:a="http://schemas.openxmlformats.org/drawingml/2006/main" xmlns:r="http://schemas.openxmlformats.org/officeDocument/2006/relationships" xmlns:p="http://schemas.openxmlformats.org/presentationml/2006/main">
+  <p:cSld>
+    <p:spTree>
+      <p:nvGrpSpPr>
+        <p:cNvPr id="1" name=""/>
+        <p:cNvGrpSpPr/>
+        <p:nvPr/>
+      </p:nvGrpSpPr>
+      <p:grpSpPr>
+        <a:xfrm>
+          <a:off x="0" y="0"/>
+          <a:ext cx="0" cy="0"/>
+          <a:chOff x="0" y="0"/>
+          <a:chExt cx="0" cy="0"/>
+        </a:xfrm>
+      </p:grpSpPr>
+      <p:sp>
+        <p:nvSpPr>
+          <p:cNvPr id="2" name="Slide Image Placeholder 1"/>
+          <p:cNvSpPr>
+            <a:spLocks noGrp="1" noRot="1" noChangeAspect="1"/>
+          </p:cNvSpPr>
+          <p:nvPr>
+            <p:ph type="sldImg"/>
+          </p:nvPr>
+        </p:nvSpPr>
+        <p:spPr/>
+      </p:sp>
+      <p:sp>
+        <p:nvSpPr>
+          <p:cNvPr id="3" name="Notes Placeholder 2"/>
+          <p:cNvSpPr>
+            <a:spLocks noGrp="1"/>
+          </p:cNvSpPr>
+          <p:nvPr>
+            <p:ph type="body" idx="1"/>
+          </p:nvPr>
+        </p:nvSpPr>
+        <p:spPr/>
+        <p:txBody>
+          <a:bodyPr/>
+          <a:lstStyle/>
+          <a:p>
+            <a:pPr marL="0" marR="0" indent="0" algn="l" defTabSz="914400" rtl="0" eaLnBrk="1" fontAlgn="auto" latinLnBrk="0" hangingPunct="1">
+              <a:lnSpc>
+                <a:spcPct val="100000"/>
+              </a:lnSpc>
+              <a:spcBef>
+                <a:spcPts val="0"/>
+              </a:spcBef>
+              <a:spcAft>
+                <a:spcPts val="0"/>
+              </a:spcAft>
+              <a:buClrTx/>
+              <a:buSzTx/>
+              <a:buFontTx/>
+              <a:buNone/>
+              <a:tabLst/>
+              <a:defRPr/>
+            </a:pPr>
+            <a:r>
+              <a:rPr lang="en-US" dirty="0" smtClean="0"/>
+              <a:t>Remove?</a:t>
+            </a:r>
+          </a:p>
+          <a:p>
+            <a:endParaRPr lang="en-US" dirty="0"/>
+          </a:p>
+        </p:txBody>
+      </p:sp>
+      <p:sp>
+        <p:nvSpPr>
+          <p:cNvPr id="4" name="Slide Number Placeholder 3"/>
+          <p:cNvSpPr>
+            <a:spLocks noGrp="1"/>
+          </p:cNvSpPr>
+          <p:nvPr>
+            <p:ph type="sldNum" sz="quarter" idx="10"/>
+          </p:nvPr>
+        </p:nvSpPr>
+        <p:spPr/>
+        <p:txBody>
+          <a:bodyPr/>
+          <a:lstStyle/>
+          <a:p>
+            <a:fld id="{5EC95FEE-7BD5-4386-98BE-4A9F100A6576}" type="slidenum">
+              <a:rPr lang="en-US" smtClean="0"/>
+              <a:t>45</a:t>
             </a:fld>
             <a:endParaRPr lang="en-US"/>
           </a:p>
@@ -4178,7 +4290,7 @@
           <a:p>
             <a:fld id="{0E5CD31E-43F3-40B0-B003-1CA31CA895B5}" type="datetimeFigureOut">
               <a:rPr lang="en-US" smtClean="0"/>
-              <a:t>12/31/2019</a:t>
+              <a:t>9/15/2021</a:t>
             </a:fld>
             <a:endParaRPr lang="en-US"/>
           </a:p>
@@ -4391,7 +4503,7 @@
           <a:p>
             <a:fld id="{0E5CD31E-43F3-40B0-B003-1CA31CA895B5}" type="datetimeFigureOut">
               <a:rPr lang="en-US" smtClean="0"/>
-              <a:t>12/31/2019</a:t>
+              <a:t>9/15/2021</a:t>
             </a:fld>
             <a:endParaRPr lang="en-US"/>
           </a:p>
@@ -4647,7 +4759,7 @@
           <a:p>
             <a:fld id="{0E5CD31E-43F3-40B0-B003-1CA31CA895B5}" type="datetimeFigureOut">
               <a:rPr lang="en-US" smtClean="0"/>
-              <a:t>12/31/2019</a:t>
+              <a:t>9/15/2021</a:t>
             </a:fld>
             <a:endParaRPr lang="en-US"/>
           </a:p>
@@ -4826,7 +4938,7 @@
           <a:p>
             <a:fld id="{0E5CD31E-43F3-40B0-B003-1CA31CA895B5}" type="datetimeFigureOut">
               <a:rPr lang="en-US" smtClean="0"/>
-              <a:t>12/31/2019</a:t>
+              <a:t>9/15/2021</a:t>
             </a:fld>
             <a:endParaRPr lang="en-US"/>
           </a:p>
@@ -5169,7 +5281,7 @@
           <a:p>
             <a:fld id="{0E5CD31E-43F3-40B0-B003-1CA31CA895B5}" type="datetimeFigureOut">
               <a:rPr lang="en-US" smtClean="0"/>
-              <a:t>12/31/2019</a:t>
+              <a:t>9/15/2021</a:t>
             </a:fld>
             <a:endParaRPr lang="en-US"/>
           </a:p>
@@ -5449,7 +5561,7 @@
           <a:p>
             <a:fld id="{0E5CD31E-43F3-40B0-B003-1CA31CA895B5}" type="datetimeFigureOut">
               <a:rPr lang="en-US" smtClean="0"/>
-              <a:t>12/31/2019</a:t>
+              <a:t>9/15/2021</a:t>
             </a:fld>
             <a:endParaRPr lang="en-US"/>
           </a:p>
@@ -5833,7 +5945,7 @@
           <a:p>
             <a:fld id="{0E5CD31E-43F3-40B0-B003-1CA31CA895B5}" type="datetimeFigureOut">
               <a:rPr lang="en-US" smtClean="0"/>
-              <a:t>12/31/2019</a:t>
+              <a:t>9/15/2021</a:t>
             </a:fld>
             <a:endParaRPr lang="en-US"/>
           </a:p>
@@ -5956,7 +6068,7 @@
           <a:p>
             <a:fld id="{0E5CD31E-43F3-40B0-B003-1CA31CA895B5}" type="datetimeFigureOut">
               <a:rPr lang="en-US" smtClean="0"/>
-              <a:t>12/31/2019</a:t>
+              <a:t>9/15/2021</a:t>
             </a:fld>
             <a:endParaRPr lang="en-US"/>
           </a:p>
@@ -6127,7 +6239,7 @@
           <a:p>
             <a:fld id="{0E5CD31E-43F3-40B0-B003-1CA31CA895B5}" type="datetimeFigureOut">
               <a:rPr lang="en-US" smtClean="0"/>
-              <a:t>12/31/2019</a:t>
+              <a:t>9/15/2021</a:t>
             </a:fld>
             <a:endParaRPr lang="en-US"/>
           </a:p>
@@ -6486,7 +6598,7 @@
           <a:p>
             <a:fld id="{0E5CD31E-43F3-40B0-B003-1CA31CA895B5}" type="datetimeFigureOut">
               <a:rPr lang="en-US" smtClean="0"/>
-              <a:t>12/31/2019</a:t>
+              <a:t>9/15/2021</a:t>
             </a:fld>
             <a:endParaRPr lang="en-US"/>
           </a:p>
@@ -6873,7 +6985,7 @@
           <a:p>
             <a:fld id="{0E5CD31E-43F3-40B0-B003-1CA31CA895B5}" type="datetimeFigureOut">
               <a:rPr lang="en-US" smtClean="0"/>
-              <a:t>12/31/2019</a:t>
+              <a:t>9/15/2021</a:t>
             </a:fld>
             <a:endParaRPr lang="en-US"/>
           </a:p>
@@ -7160,7 +7272,7 @@
           <a:p>
             <a:fld id="{0E5CD31E-43F3-40B0-B003-1CA31CA895B5}" type="datetimeFigureOut">
               <a:rPr lang="en-US" smtClean="0"/>
-              <a:t>12/31/2019</a:t>
+              <a:t>9/15/2021</a:t>
             </a:fld>
             <a:endParaRPr lang="en-US"/>
           </a:p>
@@ -7778,7 +7890,7 @@
 </file>
 
 <file path=ppt/slides/slide10.xml><?xml version="1.0" encoding="utf-8"?>
-<p:sld xmlns:a="http://schemas.openxmlformats.org/drawingml/2006/main" xmlns:r="http://schemas.openxmlformats.org/officeDocument/2006/relationships" xmlns:p="http://schemas.openxmlformats.org/presentationml/2006/main">
+<p:sld xmlns:a="http://schemas.openxmlformats.org/drawingml/2006/main" xmlns:r="http://schemas.openxmlformats.org/officeDocument/2006/relationships" xmlns:p="http://schemas.openxmlformats.org/presentationml/2006/main" showMasterSp="0">
   <p:cSld>
     <p:spTree>
       <p:nvGrpSpPr>
@@ -8182,19 +8294,8 @@
                 <a:latin typeface="Courier New" panose="02070309020205020404" pitchFamily="49" charset="0"/>
                 <a:cs typeface="Courier New" panose="02070309020205020404" pitchFamily="49" charset="0"/>
               </a:rPr>
-              <a:t>t1 = </a:t>
-            </a:r>
-            <a:r>
-              <a:rPr lang="en-US" sz="2400" b="1" dirty="0" smtClean="0">
-                <a:latin typeface="Courier New" panose="02070309020205020404" pitchFamily="49" charset="0"/>
-                <a:cs typeface="Courier New" panose="02070309020205020404" pitchFamily="49" charset="0"/>
-              </a:rPr>
-              <a:t>x</a:t>
-            </a:r>
-            <a:endParaRPr lang="en-US" sz="2400" b="1" dirty="0" smtClean="0">
-              <a:latin typeface="Courier New" panose="02070309020205020404" pitchFamily="49" charset="0"/>
-              <a:cs typeface="Courier New" panose="02070309020205020404" pitchFamily="49" charset="0"/>
-            </a:endParaRPr>
+              <a:t>t1 = x</a:t>
+            </a:r>
           </a:p>
         </p:txBody>
       </p:sp>
@@ -8697,7 +8798,7 @@
 </file>
 
 <file path=ppt/slides/slide11.xml><?xml version="1.0" encoding="utf-8"?>
-<p:sld xmlns:a="http://schemas.openxmlformats.org/drawingml/2006/main" xmlns:r="http://schemas.openxmlformats.org/officeDocument/2006/relationships" xmlns:p="http://schemas.openxmlformats.org/presentationml/2006/main">
+<p:sld xmlns:a="http://schemas.openxmlformats.org/drawingml/2006/main" xmlns:r="http://schemas.openxmlformats.org/officeDocument/2006/relationships" xmlns:p="http://schemas.openxmlformats.org/presentationml/2006/main" showMasterSp="0">
   <p:cSld>
     <p:spTree>
       <p:nvGrpSpPr>
@@ -9117,14 +9218,7 @@
                 <a:latin typeface="Courier New" panose="02070309020205020404" pitchFamily="49" charset="0"/>
                 <a:cs typeface="Courier New" panose="02070309020205020404" pitchFamily="49" charset="0"/>
               </a:rPr>
-              <a:t>2 = </a:t>
-            </a:r>
-            <a:r>
-              <a:rPr lang="en-US" sz="2400" b="1" dirty="0" smtClean="0">
-                <a:latin typeface="Courier New" panose="02070309020205020404" pitchFamily="49" charset="0"/>
-                <a:cs typeface="Courier New" panose="02070309020205020404" pitchFamily="49" charset="0"/>
-              </a:rPr>
-              <a:t>y</a:t>
+              <a:t>2 = y</a:t>
             </a:r>
             <a:endParaRPr lang="en-US" sz="2400" b="1" dirty="0">
               <a:latin typeface="Courier New" panose="02070309020205020404" pitchFamily="49" charset="0"/>
@@ -9632,7 +9726,7 @@
 </file>
 
 <file path=ppt/slides/slide12.xml><?xml version="1.0" encoding="utf-8"?>
-<p:sld xmlns:a="http://schemas.openxmlformats.org/drawingml/2006/main" xmlns:r="http://schemas.openxmlformats.org/officeDocument/2006/relationships" xmlns:p="http://schemas.openxmlformats.org/presentationml/2006/main">
+<p:sld xmlns:a="http://schemas.openxmlformats.org/drawingml/2006/main" xmlns:r="http://schemas.openxmlformats.org/officeDocument/2006/relationships" xmlns:p="http://schemas.openxmlformats.org/presentationml/2006/main" showMasterSp="0">
   <p:cSld>
     <p:spTree>
       <p:nvGrpSpPr>
@@ -10065,19 +10159,8 @@
                 <a:latin typeface="Courier New" panose="02070309020205020404" pitchFamily="49" charset="0"/>
                 <a:cs typeface="Courier New" panose="02070309020205020404" pitchFamily="49" charset="0"/>
               </a:rPr>
-              <a:t>t3 = add t1, </a:t>
-            </a:r>
-            <a:r>
-              <a:rPr lang="en-US" sz="2400" b="1" dirty="0" smtClean="0">
-                <a:latin typeface="Courier New" panose="02070309020205020404" pitchFamily="49" charset="0"/>
-                <a:cs typeface="Courier New" panose="02070309020205020404" pitchFamily="49" charset="0"/>
-              </a:rPr>
-              <a:t>t2</a:t>
-            </a:r>
-            <a:endParaRPr lang="en-US" sz="2400" b="1" dirty="0" smtClean="0">
-              <a:latin typeface="Courier New" panose="02070309020205020404" pitchFamily="49" charset="0"/>
-              <a:cs typeface="Courier New" panose="02070309020205020404" pitchFamily="49" charset="0"/>
-            </a:endParaRPr>
+              <a:t>t3 = add t1, t2</a:t>
+            </a:r>
           </a:p>
         </p:txBody>
       </p:sp>
@@ -10580,7 +10663,7 @@
 </file>
 
 <file path=ppt/slides/slide13.xml><?xml version="1.0" encoding="utf-8"?>
-<p:sld xmlns:a="http://schemas.openxmlformats.org/drawingml/2006/main" xmlns:r="http://schemas.openxmlformats.org/officeDocument/2006/relationships" xmlns:p="http://schemas.openxmlformats.org/presentationml/2006/main">
+<p:sld xmlns:a="http://schemas.openxmlformats.org/drawingml/2006/main" xmlns:r="http://schemas.openxmlformats.org/officeDocument/2006/relationships" xmlns:p="http://schemas.openxmlformats.org/presentationml/2006/main" showMasterSp="0">
   <p:cSld>
     <p:spTree>
       <p:nvGrpSpPr>
@@ -11022,19 +11105,8 @@
                 <a:latin typeface="Courier New" panose="02070309020205020404" pitchFamily="49" charset="0"/>
                 <a:cs typeface="Courier New" panose="02070309020205020404" pitchFamily="49" charset="0"/>
               </a:rPr>
-              <a:t>t4 = </a:t>
-            </a:r>
-            <a:r>
-              <a:rPr lang="en-US" sz="2400" b="1" dirty="0" smtClean="0">
-                <a:latin typeface="Courier New" panose="02070309020205020404" pitchFamily="49" charset="0"/>
-                <a:cs typeface="Courier New" panose="02070309020205020404" pitchFamily="49" charset="0"/>
-              </a:rPr>
-              <a:t>z</a:t>
-            </a:r>
-            <a:endParaRPr lang="en-US" sz="2400" b="1" dirty="0" smtClean="0">
-              <a:latin typeface="Courier New" panose="02070309020205020404" pitchFamily="49" charset="0"/>
-              <a:cs typeface="Courier New" panose="02070309020205020404" pitchFamily="49" charset="0"/>
-            </a:endParaRPr>
+              <a:t>t4 = z</a:t>
+            </a:r>
           </a:p>
         </p:txBody>
       </p:sp>
@@ -11537,7 +11609,7 @@
 </file>
 
 <file path=ppt/slides/slide14.xml><?xml version="1.0" encoding="utf-8"?>
-<p:sld xmlns:a="http://schemas.openxmlformats.org/drawingml/2006/main" xmlns:r="http://schemas.openxmlformats.org/officeDocument/2006/relationships" xmlns:p="http://schemas.openxmlformats.org/presentationml/2006/main">
+<p:sld xmlns:a="http://schemas.openxmlformats.org/drawingml/2006/main" xmlns:r="http://schemas.openxmlformats.org/officeDocument/2006/relationships" xmlns:p="http://schemas.openxmlformats.org/presentationml/2006/main" showMasterSp="0">
   <p:cSld>
     <p:spTree>
       <p:nvGrpSpPr>
@@ -12496,7 +12568,7 @@
 </file>
 
 <file path=ppt/slides/slide15.xml><?xml version="1.0" encoding="utf-8"?>
-<p:sld xmlns:a="http://schemas.openxmlformats.org/drawingml/2006/main" xmlns:r="http://schemas.openxmlformats.org/officeDocument/2006/relationships" xmlns:p="http://schemas.openxmlformats.org/presentationml/2006/main">
+<p:sld xmlns:a="http://schemas.openxmlformats.org/drawingml/2006/main" xmlns:r="http://schemas.openxmlformats.org/officeDocument/2006/relationships" xmlns:p="http://schemas.openxmlformats.org/presentationml/2006/main" showMasterSp="0">
   <p:cSld>
     <p:spTree>
       <p:nvGrpSpPr>
@@ -12546,8 +12618,8 @@
           </a:p>
         </p:txBody>
       </p:sp>
-      <mc:AlternateContent xmlns:mc="http://schemas.openxmlformats.org/markup-compatibility/2006">
-        <mc:Choice xmlns:a14="http://schemas.microsoft.com/office/drawing/2010/main" Requires="a14">
+      <mc:AlternateContent xmlns:mc="http://schemas.openxmlformats.org/markup-compatibility/2006" xmlns:a14="http://schemas.microsoft.com/office/drawing/2010/main">
+        <mc:Choice Requires="a14">
           <p:sp>
             <p:nvSpPr>
               <p:cNvPr id="5" name="TextBox 4"/>
@@ -12667,7 +12739,7 @@
             </p:txBody>
           </p:sp>
         </mc:Choice>
-        <mc:Fallback>
+        <mc:Fallback xmlns="">
           <p:sp>
             <p:nvSpPr>
               <p:cNvPr id="5" name="TextBox 4"/>
@@ -13692,7 +13764,7 @@
 </file>
 
 <file path=ppt/slides/slide16.xml><?xml version="1.0" encoding="utf-8"?>
-<p:sld xmlns:a="http://schemas.openxmlformats.org/drawingml/2006/main" xmlns:r="http://schemas.openxmlformats.org/officeDocument/2006/relationships" xmlns:p="http://schemas.openxmlformats.org/presentationml/2006/main">
+<p:sld xmlns:a="http://schemas.openxmlformats.org/drawingml/2006/main" xmlns:r="http://schemas.openxmlformats.org/officeDocument/2006/relationships" xmlns:p="http://schemas.openxmlformats.org/presentationml/2006/main" showMasterSp="0">
   <p:cSld>
     <p:spTree>
       <p:nvGrpSpPr>
@@ -14897,7 +14969,7 @@
 </file>
 
 <file path=ppt/slides/slide17.xml><?xml version="1.0" encoding="utf-8"?>
-<p:sld xmlns:a="http://schemas.openxmlformats.org/drawingml/2006/main" xmlns:r="http://schemas.openxmlformats.org/officeDocument/2006/relationships" xmlns:p="http://schemas.openxmlformats.org/presentationml/2006/main">
+<p:sld xmlns:a="http://schemas.openxmlformats.org/drawingml/2006/main" xmlns:r="http://schemas.openxmlformats.org/officeDocument/2006/relationships" xmlns:p="http://schemas.openxmlformats.org/presentationml/2006/main" showMasterSp="0">
   <p:cSld>
     <p:spTree>
       <p:nvGrpSpPr>
@@ -14947,8 +15019,8 @@
           </a:p>
         </p:txBody>
       </p:sp>
-      <mc:AlternateContent xmlns:mc="http://schemas.openxmlformats.org/markup-compatibility/2006">
-        <mc:Choice xmlns:a14="http://schemas.microsoft.com/office/drawing/2010/main" Requires="a14">
+      <mc:AlternateContent xmlns:mc="http://schemas.openxmlformats.org/markup-compatibility/2006" xmlns:a14="http://schemas.microsoft.com/office/drawing/2010/main">
+        <mc:Choice Requires="a14">
           <p:sp>
             <p:nvSpPr>
               <p:cNvPr id="5" name="TextBox 4"/>
@@ -15008,13 +15080,7 @@
                       <a:rPr lang="en-US" sz="2800" b="0" i="1" smtClean="0">
                         <a:latin typeface="Cambria Math" panose="02040503050406030204" pitchFamily="18" charset="0"/>
                       </a:rPr>
-                      <m:t>==</m:t>
-                    </m:r>
-                    <m:r>
-                      <a:rPr lang="en-US" sz="2800" b="0" i="1" smtClean="0">
-                        <a:latin typeface="Cambria Math" panose="02040503050406030204" pitchFamily="18" charset="0"/>
-                      </a:rPr>
-                      <m:t> </m:t>
+                      <m:t>== </m:t>
                     </m:r>
                     <m:sSub>
                       <m:sSubPr>
@@ -15062,7 +15128,7 @@
             </p:txBody>
           </p:sp>
         </mc:Choice>
-        <mc:Fallback>
+        <mc:Fallback xmlns="">
           <p:sp>
             <p:nvSpPr>
               <p:cNvPr id="5" name="TextBox 4"/>
@@ -15147,19 +15213,7 @@
                 <a:latin typeface="Courier New" panose="02070309020205020404" pitchFamily="49" charset="0"/>
                 <a:cs typeface="Courier New" panose="02070309020205020404" pitchFamily="49" charset="0"/>
               </a:rPr>
-              <a:t>t1 = </a:t>
-            </a:r>
-            <a:r>
-              <a:rPr lang="en-US" sz="2800" b="1" dirty="0" smtClean="0">
-                <a:solidFill>
-                  <a:schemeClr val="bg1">
-                    <a:lumMod val="50000"/>
-                  </a:schemeClr>
-                </a:solidFill>
-                <a:latin typeface="Courier New" panose="02070309020205020404" pitchFamily="49" charset="0"/>
-                <a:cs typeface="Courier New" panose="02070309020205020404" pitchFamily="49" charset="0"/>
-              </a:rPr>
-              <a:t>...</a:t>
+              <a:t>t1 = ...</a:t>
             </a:r>
           </a:p>
           <a:p>
@@ -15245,14 +15299,7 @@
                 <a:latin typeface="Courier New" panose="02070309020205020404" pitchFamily="49" charset="0"/>
                 <a:cs typeface="Courier New" panose="02070309020205020404" pitchFamily="49" charset="0"/>
               </a:rPr>
-              <a:t>c</a:t>
-            </a:r>
-            <a:r>
-              <a:rPr lang="en-US" sz="2800" b="1" dirty="0" smtClean="0">
-                <a:latin typeface="Courier New" panose="02070309020205020404" pitchFamily="49" charset="0"/>
-                <a:cs typeface="Courier New" panose="02070309020205020404" pitchFamily="49" charset="0"/>
-              </a:rPr>
-              <a:t>ompare t1, t2</a:t>
+              <a:t>compare t1, t2</a:t>
             </a:r>
           </a:p>
           <a:p>
@@ -15261,14 +15308,7 @@
                 <a:latin typeface="Courier New" panose="02070309020205020404" pitchFamily="49" charset="0"/>
                 <a:cs typeface="Courier New" panose="02070309020205020404" pitchFamily="49" charset="0"/>
               </a:rPr>
-              <a:t>b</a:t>
-            </a:r>
-            <a:r>
-              <a:rPr lang="en-US" sz="2800" b="1" dirty="0" err="1" smtClean="0">
-                <a:latin typeface="Courier New" panose="02070309020205020404" pitchFamily="49" charset="0"/>
-                <a:cs typeface="Courier New" panose="02070309020205020404" pitchFamily="49" charset="0"/>
-              </a:rPr>
-              <a:t>ranch_eq</a:t>
+              <a:t>branch_eq</a:t>
             </a:r>
             <a:r>
               <a:rPr lang="en-US" sz="2800" b="1" dirty="0" smtClean="0">
@@ -15320,10 +15360,6 @@
               </a:rPr>
               <a:t>:</a:t>
             </a:r>
-            <a:endParaRPr lang="en-US" sz="2800" b="1" dirty="0" smtClean="0">
-              <a:latin typeface="Courier New" panose="02070309020205020404" pitchFamily="49" charset="0"/>
-              <a:cs typeface="Courier New" panose="02070309020205020404" pitchFamily="49" charset="0"/>
-            </a:endParaRPr>
           </a:p>
         </p:txBody>
       </p:sp>
@@ -15564,8 +15600,8 @@
           </a:p>
         </p:txBody>
       </p:sp>
-      <mc:AlternateContent xmlns:mc="http://schemas.openxmlformats.org/markup-compatibility/2006">
-        <mc:Choice xmlns:a14="http://schemas.microsoft.com/office/drawing/2010/main" Requires="a14">
+      <mc:AlternateContent xmlns:mc="http://schemas.openxmlformats.org/markup-compatibility/2006" xmlns:a14="http://schemas.microsoft.com/office/drawing/2010/main">
+        <mc:Choice Requires="a14">
           <p:sp>
             <p:nvSpPr>
               <p:cNvPr id="10" name="TextBox 9"/>
@@ -15676,7 +15712,7 @@
             </p:txBody>
           </p:sp>
         </mc:Choice>
-        <mc:Fallback>
+        <mc:Fallback xmlns="">
           <p:sp>
             <p:nvSpPr>
               <p:cNvPr id="10" name="TextBox 9"/>
@@ -15736,7 +15772,7 @@
 </file>
 
 <file path=ppt/slides/slide18.xml><?xml version="1.0" encoding="utf-8"?>
-<p:sld xmlns:a="http://schemas.openxmlformats.org/drawingml/2006/main" xmlns:r="http://schemas.openxmlformats.org/officeDocument/2006/relationships" xmlns:p="http://schemas.openxmlformats.org/presentationml/2006/main">
+<p:sld xmlns:a="http://schemas.openxmlformats.org/drawingml/2006/main" xmlns:r="http://schemas.openxmlformats.org/officeDocument/2006/relationships" xmlns:p="http://schemas.openxmlformats.org/presentationml/2006/main" showMasterSp="0">
   <p:cSld>
     <p:spTree>
       <p:nvGrpSpPr>
@@ -15829,9 +15865,6 @@
               </a:rPr>
               <a:t>:</a:t>
             </a:r>
-            <a:endParaRPr lang="en-US" sz="2800" dirty="0" smtClean="0">
-              <a:latin typeface="+mj-lt"/>
-            </a:endParaRPr>
           </a:p>
           <a:p>
             <a:pPr marL="285750" indent="-285750">
@@ -15871,14 +15904,30 @@
                 <a:latin typeface="Courier New" panose="02070309020205020404" pitchFamily="49" charset="0"/>
                 <a:cs typeface="Courier New" panose="02070309020205020404" pitchFamily="49" charset="0"/>
               </a:rPr>
-              <a:t>t1 = </a:t>
+              <a:t>t1 = a</a:t>
+            </a:r>
+          </a:p>
+          <a:p>
+            <a:r>
+              <a:rPr lang="en-US" sz="2800" b="1" dirty="0">
+                <a:latin typeface="Courier New" panose="02070309020205020404" pitchFamily="49" charset="0"/>
+                <a:cs typeface="Courier New" panose="02070309020205020404" pitchFamily="49" charset="0"/>
+              </a:rPr>
+              <a:t>t</a:t>
             </a:r>
             <a:r>
               <a:rPr lang="en-US" sz="2800" b="1" dirty="0" smtClean="0">
                 <a:latin typeface="Courier New" panose="02070309020205020404" pitchFamily="49" charset="0"/>
                 <a:cs typeface="Courier New" panose="02070309020205020404" pitchFamily="49" charset="0"/>
               </a:rPr>
-              <a:t>a</a:t>
+              <a:t>2 = </a:t>
+            </a:r>
+            <a:r>
+              <a:rPr lang="en-US" sz="2800" b="1" dirty="0">
+                <a:latin typeface="Courier New" panose="02070309020205020404" pitchFamily="49" charset="0"/>
+                <a:cs typeface="Courier New" panose="02070309020205020404" pitchFamily="49" charset="0"/>
+              </a:rPr>
+              <a:t>b</a:t>
             </a:r>
             <a:endParaRPr lang="en-US" sz="2800" b="1" dirty="0" smtClean="0">
               <a:latin typeface="Courier New" panose="02070309020205020404" pitchFamily="49" charset="0"/>
@@ -15898,33 +15947,6 @@
                 <a:latin typeface="Courier New" panose="02070309020205020404" pitchFamily="49" charset="0"/>
                 <a:cs typeface="Courier New" panose="02070309020205020404" pitchFamily="49" charset="0"/>
               </a:rPr>
-              <a:t>2 = </a:t>
-            </a:r>
-            <a:r>
-              <a:rPr lang="en-US" sz="2800" b="1" dirty="0">
-                <a:latin typeface="Courier New" panose="02070309020205020404" pitchFamily="49" charset="0"/>
-                <a:cs typeface="Courier New" panose="02070309020205020404" pitchFamily="49" charset="0"/>
-              </a:rPr>
-              <a:t>b</a:t>
-            </a:r>
-            <a:endParaRPr lang="en-US" sz="2800" b="1" dirty="0" smtClean="0">
-              <a:latin typeface="Courier New" panose="02070309020205020404" pitchFamily="49" charset="0"/>
-              <a:cs typeface="Courier New" panose="02070309020205020404" pitchFamily="49" charset="0"/>
-            </a:endParaRPr>
-          </a:p>
-          <a:p>
-            <a:r>
-              <a:rPr lang="en-US" sz="2800" b="1" dirty="0">
-                <a:latin typeface="Courier New" panose="02070309020205020404" pitchFamily="49" charset="0"/>
-                <a:cs typeface="Courier New" panose="02070309020205020404" pitchFamily="49" charset="0"/>
-              </a:rPr>
-              <a:t>t</a:t>
-            </a:r>
-            <a:r>
-              <a:rPr lang="en-US" sz="2800" b="1" dirty="0" smtClean="0">
-                <a:latin typeface="Courier New" panose="02070309020205020404" pitchFamily="49" charset="0"/>
-                <a:cs typeface="Courier New" panose="02070309020205020404" pitchFamily="49" charset="0"/>
-              </a:rPr>
               <a:t>3 = 1</a:t>
             </a:r>
             <a:endParaRPr lang="en-US" sz="2800" b="1" dirty="0">
@@ -15938,42 +15960,24 @@
                 <a:latin typeface="Courier New" panose="02070309020205020404" pitchFamily="49" charset="0"/>
                 <a:cs typeface="Courier New" panose="02070309020205020404" pitchFamily="49" charset="0"/>
               </a:rPr>
-              <a:t>t4 </a:t>
+              <a:t>t4 = add t2, t3</a:t>
+            </a:r>
+          </a:p>
+          <a:p>
+            <a:r>
+              <a:rPr lang="en-US" sz="2800" b="1" dirty="0">
+                <a:latin typeface="Courier New" panose="02070309020205020404" pitchFamily="49" charset="0"/>
+                <a:cs typeface="Courier New" panose="02070309020205020404" pitchFamily="49" charset="0"/>
+              </a:rPr>
+              <a:t>t</a:t>
             </a:r>
             <a:r>
               <a:rPr lang="en-US" sz="2800" b="1" dirty="0" smtClean="0">
                 <a:latin typeface="Courier New" panose="02070309020205020404" pitchFamily="49" charset="0"/>
                 <a:cs typeface="Courier New" panose="02070309020205020404" pitchFamily="49" charset="0"/>
               </a:rPr>
-              <a:t>= add </a:t>
-            </a:r>
-            <a:r>
-              <a:rPr lang="en-US" sz="2800" b="1" dirty="0" smtClean="0">
-                <a:latin typeface="Courier New" panose="02070309020205020404" pitchFamily="49" charset="0"/>
-                <a:cs typeface="Courier New" panose="02070309020205020404" pitchFamily="49" charset="0"/>
-              </a:rPr>
-              <a:t>t2, t3</a:t>
-            </a:r>
-          </a:p>
-          <a:p>
-            <a:r>
-              <a:rPr lang="en-US" sz="2800" b="1" dirty="0">
-                <a:latin typeface="Courier New" panose="02070309020205020404" pitchFamily="49" charset="0"/>
-                <a:cs typeface="Courier New" panose="02070309020205020404" pitchFamily="49" charset="0"/>
-              </a:rPr>
-              <a:t>t</a:t>
-            </a:r>
-            <a:r>
-              <a:rPr lang="en-US" sz="2800" b="1" dirty="0" smtClean="0">
-                <a:latin typeface="Courier New" panose="02070309020205020404" pitchFamily="49" charset="0"/>
-                <a:cs typeface="Courier New" panose="02070309020205020404" pitchFamily="49" charset="0"/>
-              </a:rPr>
               <a:t>5 = 1</a:t>
             </a:r>
-            <a:endParaRPr lang="en-US" sz="2800" b="1" dirty="0" smtClean="0">
-              <a:latin typeface="Courier New" panose="02070309020205020404" pitchFamily="49" charset="0"/>
-              <a:cs typeface="Courier New" panose="02070309020205020404" pitchFamily="49" charset="0"/>
-            </a:endParaRPr>
           </a:p>
           <a:p>
             <a:r>
@@ -16091,7 +16095,7 @@
 </file>
 
 <file path=ppt/slides/slide19.xml><?xml version="1.0" encoding="utf-8"?>
-<p:sld xmlns:a="http://schemas.openxmlformats.org/drawingml/2006/main" xmlns:r="http://schemas.openxmlformats.org/officeDocument/2006/relationships" xmlns:p="http://schemas.openxmlformats.org/presentationml/2006/main">
+<p:sld xmlns:a="http://schemas.openxmlformats.org/drawingml/2006/main" xmlns:r="http://schemas.openxmlformats.org/officeDocument/2006/relationships" xmlns:p="http://schemas.openxmlformats.org/presentationml/2006/main" showMasterSp="0">
   <p:cSld>
     <p:spTree>
       <p:nvGrpSpPr>
@@ -17237,7 +17241,7 @@
 </file>
 
 <file path=ppt/slides/slide2.xml><?xml version="1.0" encoding="utf-8"?>
-<p:sld xmlns:a="http://schemas.openxmlformats.org/drawingml/2006/main" xmlns:r="http://schemas.openxmlformats.org/officeDocument/2006/relationships" xmlns:p="http://schemas.openxmlformats.org/presentationml/2006/main">
+<p:sld xmlns:a="http://schemas.openxmlformats.org/drawingml/2006/main" xmlns:r="http://schemas.openxmlformats.org/officeDocument/2006/relationships" xmlns:p="http://schemas.openxmlformats.org/presentationml/2006/main" showMasterSp="0">
   <p:cSld>
     <p:spTree>
       <p:nvGrpSpPr>
@@ -17391,7 +17395,7 @@
 </file>
 
 <file path=ppt/slides/slide20.xml><?xml version="1.0" encoding="utf-8"?>
-<p:sld xmlns:a="http://schemas.openxmlformats.org/drawingml/2006/main" xmlns:r="http://schemas.openxmlformats.org/officeDocument/2006/relationships" xmlns:p="http://schemas.openxmlformats.org/presentationml/2006/main">
+<p:sld xmlns:a="http://schemas.openxmlformats.org/drawingml/2006/main" xmlns:r="http://schemas.openxmlformats.org/officeDocument/2006/relationships" xmlns:p="http://schemas.openxmlformats.org/presentationml/2006/main" showMasterSp="0">
   <p:cSld>
     <p:spTree>
       <p:nvGrpSpPr>
@@ -17484,9 +17488,6 @@
               </a:rPr>
               <a:t>:</a:t>
             </a:r>
-            <a:endParaRPr lang="en-US" sz="2800" dirty="0" smtClean="0">
-              <a:latin typeface="+mj-lt"/>
-            </a:endParaRPr>
           </a:p>
           <a:p>
             <a:pPr marL="285750" indent="-285750">
@@ -17542,14 +17543,7 @@
                 <a:latin typeface="Courier New" panose="02070309020205020404" pitchFamily="49" charset="0"/>
                 <a:cs typeface="Courier New" panose="02070309020205020404" pitchFamily="49" charset="0"/>
               </a:rPr>
-              <a:t>2 = </a:t>
-            </a:r>
-            <a:r>
-              <a:rPr lang="en-US" sz="2800" b="1" dirty="0" smtClean="0">
-                <a:latin typeface="Courier New" panose="02070309020205020404" pitchFamily="49" charset="0"/>
-                <a:cs typeface="Courier New" panose="02070309020205020404" pitchFamily="49" charset="0"/>
-              </a:rPr>
-              <a:t>z</a:t>
+              <a:t>2 = z</a:t>
             </a:r>
           </a:p>
           <a:p>
@@ -17578,21 +17572,7 @@
                 <a:latin typeface="Courier New" panose="02070309020205020404" pitchFamily="49" charset="0"/>
                 <a:cs typeface="Courier New" panose="02070309020205020404" pitchFamily="49" charset="0"/>
               </a:rPr>
-              <a:t>t4 </a:t>
-            </a:r>
-            <a:r>
-              <a:rPr lang="en-US" sz="2800" b="1" dirty="0" smtClean="0">
-                <a:latin typeface="Courier New" panose="02070309020205020404" pitchFamily="49" charset="0"/>
-                <a:cs typeface="Courier New" panose="02070309020205020404" pitchFamily="49" charset="0"/>
-              </a:rPr>
-              <a:t>= add </a:t>
-            </a:r>
-            <a:r>
-              <a:rPr lang="en-US" sz="2800" b="1" dirty="0" smtClean="0">
-                <a:latin typeface="Courier New" panose="02070309020205020404" pitchFamily="49" charset="0"/>
-                <a:cs typeface="Courier New" panose="02070309020205020404" pitchFamily="49" charset="0"/>
-              </a:rPr>
-              <a:t>t2, t3</a:t>
+              <a:t>t4 = add t2, t3</a:t>
             </a:r>
           </a:p>
           <a:p>
@@ -17652,7 +17632,7 @@
 </file>
 
 <file path=ppt/slides/slide21.xml><?xml version="1.0" encoding="utf-8"?>
-<p:sld xmlns:a="http://schemas.openxmlformats.org/drawingml/2006/main" xmlns:r="http://schemas.openxmlformats.org/officeDocument/2006/relationships" xmlns:p="http://schemas.openxmlformats.org/presentationml/2006/main">
+<p:sld xmlns:a="http://schemas.openxmlformats.org/drawingml/2006/main" xmlns:r="http://schemas.openxmlformats.org/officeDocument/2006/relationships" xmlns:p="http://schemas.openxmlformats.org/presentationml/2006/main" showMasterSp="0">
   <p:cSld>
     <p:spTree>
       <p:nvGrpSpPr>
@@ -18265,7 +18245,7 @@
 </file>
 
 <file path=ppt/slides/slide22.xml><?xml version="1.0" encoding="utf-8"?>
-<p:sld xmlns:a="http://schemas.openxmlformats.org/drawingml/2006/main" xmlns:r="http://schemas.openxmlformats.org/officeDocument/2006/relationships" xmlns:p="http://schemas.openxmlformats.org/presentationml/2006/main">
+<p:sld xmlns:a="http://schemas.openxmlformats.org/drawingml/2006/main" xmlns:r="http://schemas.openxmlformats.org/officeDocument/2006/relationships" xmlns:p="http://schemas.openxmlformats.org/presentationml/2006/main" showMasterSp="0">
   <p:cSld>
     <p:spTree>
       <p:nvGrpSpPr>
@@ -18358,9 +18338,6 @@
               </a:rPr>
               <a:t>:</a:t>
             </a:r>
-            <a:endParaRPr lang="en-US" sz="2800" dirty="0" smtClean="0">
-              <a:latin typeface="+mj-lt"/>
-            </a:endParaRPr>
           </a:p>
           <a:p>
             <a:pPr marL="285750" indent="-285750">
@@ -18416,14 +18393,7 @@
                 <a:latin typeface="Courier New" panose="02070309020205020404" pitchFamily="49" charset="0"/>
                 <a:cs typeface="Courier New" panose="02070309020205020404" pitchFamily="49" charset="0"/>
               </a:rPr>
-              <a:t>2 = </a:t>
-            </a:r>
-            <a:r>
-              <a:rPr lang="en-US" sz="2800" b="1" dirty="0" smtClean="0">
-                <a:latin typeface="Courier New" panose="02070309020205020404" pitchFamily="49" charset="0"/>
-                <a:cs typeface="Courier New" panose="02070309020205020404" pitchFamily="49" charset="0"/>
-              </a:rPr>
-              <a:t>3</a:t>
+              <a:t>2 = 3</a:t>
             </a:r>
           </a:p>
           <a:p>
@@ -18520,7 +18490,7 @@
 </file>
 
 <file path=ppt/slides/slide23.xml><?xml version="1.0" encoding="utf-8"?>
-<p:sld xmlns:a="http://schemas.openxmlformats.org/drawingml/2006/main" xmlns:r="http://schemas.openxmlformats.org/officeDocument/2006/relationships" xmlns:p="http://schemas.openxmlformats.org/presentationml/2006/main">
+<p:sld xmlns:a="http://schemas.openxmlformats.org/drawingml/2006/main" xmlns:r="http://schemas.openxmlformats.org/officeDocument/2006/relationships" xmlns:p="http://schemas.openxmlformats.org/presentationml/2006/main" showMasterSp="0">
   <p:cSld>
     <p:spTree>
       <p:nvGrpSpPr>
@@ -18997,7 +18967,7 @@
 </file>
 
 <file path=ppt/slides/slide24.xml><?xml version="1.0" encoding="utf-8"?>
-<p:sld xmlns:a="http://schemas.openxmlformats.org/drawingml/2006/main" xmlns:r="http://schemas.openxmlformats.org/officeDocument/2006/relationships" xmlns:p="http://schemas.openxmlformats.org/presentationml/2006/main">
+<p:sld xmlns:a="http://schemas.openxmlformats.org/drawingml/2006/main" xmlns:r="http://schemas.openxmlformats.org/officeDocument/2006/relationships" xmlns:p="http://schemas.openxmlformats.org/presentationml/2006/main" showMasterSp="0">
   <p:cSld>
     <p:spTree>
       <p:nvGrpSpPr>
@@ -19884,7 +19854,7 @@
 </file>
 
 <file path=ppt/slides/slide25.xml><?xml version="1.0" encoding="utf-8"?>
-<p:sld xmlns:a="http://schemas.openxmlformats.org/drawingml/2006/main" xmlns:r="http://schemas.openxmlformats.org/officeDocument/2006/relationships" xmlns:p="http://schemas.openxmlformats.org/presentationml/2006/main">
+<p:sld xmlns:a="http://schemas.openxmlformats.org/drawingml/2006/main" xmlns:r="http://schemas.openxmlformats.org/officeDocument/2006/relationships" xmlns:p="http://schemas.openxmlformats.org/presentationml/2006/main" showMasterSp="0">
   <p:cSld>
     <p:spTree>
       <p:nvGrpSpPr>
@@ -19926,7 +19896,13 @@
               <a:rPr lang="en-US" sz="4800" dirty="0" smtClean="0">
                 <a:latin typeface="+mj-lt"/>
               </a:rPr>
-              <a:t>Translating Expressions</a:t>
+              <a:t>Translating </a:t>
+            </a:r>
+            <a:r>
+              <a:rPr lang="en-US" sz="4800" dirty="0">
+                <a:latin typeface="+mj-lt"/>
+              </a:rPr>
+              <a:t>Statements</a:t>
             </a:r>
             <a:endParaRPr lang="en-US" sz="4800" dirty="0">
               <a:latin typeface="+mj-lt"/>
@@ -19977,9 +19953,6 @@
               </a:rPr>
               <a:t>:</a:t>
             </a:r>
-            <a:endParaRPr lang="en-US" sz="2800" dirty="0" smtClean="0">
-              <a:latin typeface="+mj-lt"/>
-            </a:endParaRPr>
           </a:p>
           <a:p>
             <a:pPr marL="285750" indent="-285750">
@@ -20019,35 +19992,24 @@
                 <a:latin typeface="Courier New" panose="02070309020205020404" pitchFamily="49" charset="0"/>
                 <a:cs typeface="Courier New" panose="02070309020205020404" pitchFamily="49" charset="0"/>
               </a:rPr>
-              <a:t>t1 = </a:t>
+              <a:t>t1 = x</a:t>
+            </a:r>
+          </a:p>
+          <a:p>
+            <a:r>
+              <a:rPr lang="en-US" sz="2800" b="1" dirty="0">
+                <a:latin typeface="Courier New" panose="02070309020205020404" pitchFamily="49" charset="0"/>
+                <a:cs typeface="Courier New" panose="02070309020205020404" pitchFamily="49" charset="0"/>
+              </a:rPr>
+              <a:t>t</a:t>
             </a:r>
             <a:r>
               <a:rPr lang="en-US" sz="2800" b="1" dirty="0" smtClean="0">
                 <a:latin typeface="Courier New" panose="02070309020205020404" pitchFamily="49" charset="0"/>
                 <a:cs typeface="Courier New" panose="02070309020205020404" pitchFamily="49" charset="0"/>
               </a:rPr>
-              <a:t>x</a:t>
-            </a:r>
-          </a:p>
-          <a:p>
-            <a:r>
-              <a:rPr lang="en-US" sz="2800" b="1" dirty="0">
-                <a:latin typeface="Courier New" panose="02070309020205020404" pitchFamily="49" charset="0"/>
-                <a:cs typeface="Courier New" panose="02070309020205020404" pitchFamily="49" charset="0"/>
-              </a:rPr>
-              <a:t>t</a:t>
-            </a:r>
-            <a:r>
-              <a:rPr lang="en-US" sz="2800" b="1" dirty="0" smtClean="0">
-                <a:latin typeface="Courier New" panose="02070309020205020404" pitchFamily="49" charset="0"/>
-                <a:cs typeface="Courier New" panose="02070309020205020404" pitchFamily="49" charset="0"/>
-              </a:rPr>
               <a:t>2 = y</a:t>
             </a:r>
-            <a:endParaRPr lang="en-US" sz="2800" b="1" dirty="0" smtClean="0">
-              <a:latin typeface="Courier New" panose="02070309020205020404" pitchFamily="49" charset="0"/>
-              <a:cs typeface="Courier New" panose="02070309020205020404" pitchFamily="49" charset="0"/>
-            </a:endParaRPr>
           </a:p>
           <a:p>
             <a:r>
@@ -20201,7 +20163,7 @@
 </file>
 
 <file path=ppt/slides/slide26.xml><?xml version="1.0" encoding="utf-8"?>
-<p:sld xmlns:a="http://schemas.openxmlformats.org/drawingml/2006/main" xmlns:r="http://schemas.openxmlformats.org/officeDocument/2006/relationships" xmlns:p="http://schemas.openxmlformats.org/presentationml/2006/main">
+<p:sld xmlns:a="http://schemas.openxmlformats.org/drawingml/2006/main" xmlns:r="http://schemas.openxmlformats.org/officeDocument/2006/relationships" xmlns:p="http://schemas.openxmlformats.org/presentationml/2006/main" showMasterSp="0">
   <p:cSld>
     <p:spTree>
       <p:nvGrpSpPr>
@@ -21472,7 +21434,7 @@
 </file>
 
 <file path=ppt/slides/slide27.xml><?xml version="1.0" encoding="utf-8"?>
-<p:sld xmlns:a="http://schemas.openxmlformats.org/drawingml/2006/main" xmlns:r="http://schemas.openxmlformats.org/officeDocument/2006/relationships" xmlns:p="http://schemas.openxmlformats.org/presentationml/2006/main">
+<p:sld xmlns:a="http://schemas.openxmlformats.org/drawingml/2006/main" xmlns:r="http://schemas.openxmlformats.org/officeDocument/2006/relationships" xmlns:p="http://schemas.openxmlformats.org/presentationml/2006/main" showMasterSp="0">
   <p:cSld>
     <p:spTree>
       <p:nvGrpSpPr>
@@ -21514,7 +21476,13 @@
               <a:rPr lang="en-US" sz="4800" dirty="0" smtClean="0">
                 <a:latin typeface="+mj-lt"/>
               </a:rPr>
-              <a:t>Translating Expressions</a:t>
+              <a:t>Translating </a:t>
+            </a:r>
+            <a:r>
+              <a:rPr lang="en-US" sz="4800" dirty="0" smtClean="0">
+                <a:latin typeface="+mj-lt"/>
+              </a:rPr>
+              <a:t>Statements</a:t>
             </a:r>
             <a:endParaRPr lang="en-US" sz="4800" dirty="0">
               <a:latin typeface="+mj-lt"/>
@@ -21565,9 +21533,6 @@
               </a:rPr>
               <a:t>:</a:t>
             </a:r>
-            <a:endParaRPr lang="en-US" sz="2800" dirty="0" smtClean="0">
-              <a:latin typeface="+mj-lt"/>
-            </a:endParaRPr>
           </a:p>
           <a:p>
             <a:pPr marL="285750" indent="-285750">
@@ -21627,7 +21592,14 @@
                 <a:latin typeface="Courier New" panose="02070309020205020404" pitchFamily="49" charset="0"/>
                 <a:cs typeface="Courier New" panose="02070309020205020404" pitchFamily="49" charset="0"/>
               </a:rPr>
-              <a:t>compare t3, </a:t>
+              <a:t>compare </a:t>
+            </a:r>
+            <a:r>
+              <a:rPr lang="en-US" sz="2500" b="1" dirty="0" smtClean="0">
+                <a:latin typeface="Courier New" panose="02070309020205020404" pitchFamily="49" charset="0"/>
+                <a:cs typeface="Courier New" panose="02070309020205020404" pitchFamily="49" charset="0"/>
+              </a:rPr>
+              <a:t>t1, </a:t>
             </a:r>
             <a:r>
               <a:rPr lang="en-US" sz="2500" b="1" dirty="0">
@@ -21670,21 +21642,14 @@
                 <a:latin typeface="Courier New" panose="02070309020205020404" pitchFamily="49" charset="0"/>
                 <a:cs typeface="Courier New" panose="02070309020205020404" pitchFamily="49" charset="0"/>
               </a:rPr>
-              <a:t>t</a:t>
-            </a:r>
-            <a:r>
-              <a:rPr lang="en-US" sz="2500" b="1" dirty="0">
-                <a:latin typeface="Courier New" panose="02070309020205020404" pitchFamily="49" charset="0"/>
-                <a:cs typeface="Courier New" panose="02070309020205020404" pitchFamily="49" charset="0"/>
-              </a:rPr>
-              <a:t>4</a:t>
+              <a:t>t2 </a:t>
             </a:r>
             <a:r>
               <a:rPr lang="en-US" sz="2500" b="1" dirty="0" smtClean="0">
                 <a:latin typeface="Courier New" panose="02070309020205020404" pitchFamily="49" charset="0"/>
                 <a:cs typeface="Courier New" panose="02070309020205020404" pitchFamily="49" charset="0"/>
               </a:rPr>
-              <a:t> = 0</a:t>
+              <a:t>= 0</a:t>
             </a:r>
           </a:p>
           <a:p>
@@ -21693,30 +21658,14 @@
                 <a:latin typeface="Courier New" panose="02070309020205020404" pitchFamily="49" charset="0"/>
                 <a:cs typeface="Courier New" panose="02070309020205020404" pitchFamily="49" charset="0"/>
               </a:rPr>
-              <a:t>z = t4</a:t>
-            </a:r>
-          </a:p>
-          <a:p>
-            <a:r>
-              <a:rPr lang="en-US" sz="2500" b="1" dirty="0">
-                <a:latin typeface="Courier New" panose="02070309020205020404" pitchFamily="49" charset="0"/>
-                <a:cs typeface="Courier New" panose="02070309020205020404" pitchFamily="49" charset="0"/>
-              </a:rPr>
-              <a:t>b</a:t>
+              <a:t>z = </a:t>
             </a:r>
             <a:r>
               <a:rPr lang="en-US" sz="2500" b="1" dirty="0" smtClean="0">
                 <a:latin typeface="Courier New" panose="02070309020205020404" pitchFamily="49" charset="0"/>
                 <a:cs typeface="Courier New" panose="02070309020205020404" pitchFamily="49" charset="0"/>
               </a:rPr>
-              <a:t>ranch </a:t>
-            </a:r>
-            <a:r>
-              <a:rPr lang="en-US" sz="2500" b="1" dirty="0" err="1" smtClean="0">
-                <a:latin typeface="Courier New" panose="02070309020205020404" pitchFamily="49" charset="0"/>
-                <a:cs typeface="Courier New" panose="02070309020205020404" pitchFamily="49" charset="0"/>
-              </a:rPr>
-              <a:t>end_label</a:t>
+              <a:t>t2</a:t>
             </a:r>
             <a:endParaRPr lang="en-US" sz="2500" b="1" dirty="0" smtClean="0">
               <a:latin typeface="Courier New" panose="02070309020205020404" pitchFamily="49" charset="0"/>
@@ -21725,6 +21674,33 @@
           </a:p>
           <a:p>
             <a:r>
+              <a:rPr lang="en-US" sz="2500" b="1" dirty="0">
+                <a:latin typeface="Courier New" panose="02070309020205020404" pitchFamily="49" charset="0"/>
+                <a:cs typeface="Courier New" panose="02070309020205020404" pitchFamily="49" charset="0"/>
+              </a:rPr>
+              <a:t>b</a:t>
+            </a:r>
+            <a:r>
+              <a:rPr lang="en-US" sz="2500" b="1" dirty="0" smtClean="0">
+                <a:latin typeface="Courier New" panose="02070309020205020404" pitchFamily="49" charset="0"/>
+                <a:cs typeface="Courier New" panose="02070309020205020404" pitchFamily="49" charset="0"/>
+              </a:rPr>
+              <a:t>ranch </a:t>
+            </a:r>
+            <a:r>
+              <a:rPr lang="en-US" sz="2500" b="1" dirty="0" err="1" smtClean="0">
+                <a:latin typeface="Courier New" panose="02070309020205020404" pitchFamily="49" charset="0"/>
+                <a:cs typeface="Courier New" panose="02070309020205020404" pitchFamily="49" charset="0"/>
+              </a:rPr>
+              <a:t>end_label</a:t>
+            </a:r>
+            <a:endParaRPr lang="en-US" sz="2500" b="1" dirty="0" smtClean="0">
+              <a:latin typeface="Courier New" panose="02070309020205020404" pitchFamily="49" charset="0"/>
+              <a:cs typeface="Courier New" panose="02070309020205020404" pitchFamily="49" charset="0"/>
+            </a:endParaRPr>
+          </a:p>
+          <a:p>
+            <a:r>
               <a:rPr lang="en-US" sz="2500" b="1" dirty="0" err="1">
                 <a:latin typeface="Courier New" panose="02070309020205020404" pitchFamily="49" charset="0"/>
                 <a:cs typeface="Courier New" panose="02070309020205020404" pitchFamily="49" charset="0"/>
@@ -21752,7 +21728,14 @@
                 <a:latin typeface="Courier New" panose="02070309020205020404" pitchFamily="49" charset="0"/>
                 <a:cs typeface="Courier New" panose="02070309020205020404" pitchFamily="49" charset="0"/>
               </a:rPr>
-              <a:t>t5 = 100</a:t>
+              <a:t>t3 </a:t>
+            </a:r>
+            <a:r>
+              <a:rPr lang="en-US" sz="2500" b="1" dirty="0" smtClean="0">
+                <a:latin typeface="Courier New" panose="02070309020205020404" pitchFamily="49" charset="0"/>
+                <a:cs typeface="Courier New" panose="02070309020205020404" pitchFamily="49" charset="0"/>
+              </a:rPr>
+              <a:t>= 100</a:t>
             </a:r>
           </a:p>
           <a:p>
@@ -21768,7 +21751,14 @@
                 <a:latin typeface="Courier New" panose="02070309020205020404" pitchFamily="49" charset="0"/>
                 <a:cs typeface="Courier New" panose="02070309020205020404" pitchFamily="49" charset="0"/>
               </a:rPr>
-              <a:t> = t5</a:t>
+              <a:t> = </a:t>
+            </a:r>
+            <a:r>
+              <a:rPr lang="en-US" sz="2500" b="1" dirty="0" smtClean="0">
+                <a:latin typeface="Courier New" panose="02070309020205020404" pitchFamily="49" charset="0"/>
+                <a:cs typeface="Courier New" panose="02070309020205020404" pitchFamily="49" charset="0"/>
+              </a:rPr>
+              <a:t>t3</a:t>
             </a:r>
             <a:endParaRPr lang="en-US" sz="2500" b="1" dirty="0">
               <a:latin typeface="Courier New" panose="02070309020205020404" pitchFamily="49" charset="0"/>
@@ -21818,7 +21808,7 @@
 </file>
 
 <file path=ppt/slides/slide28.xml><?xml version="1.0" encoding="utf-8"?>
-<p:sld xmlns:a="http://schemas.openxmlformats.org/drawingml/2006/main" xmlns:r="http://schemas.openxmlformats.org/officeDocument/2006/relationships" xmlns:p="http://schemas.openxmlformats.org/presentationml/2006/main">
+<p:sld xmlns:a="http://schemas.openxmlformats.org/drawingml/2006/main" xmlns:r="http://schemas.openxmlformats.org/officeDocument/2006/relationships" xmlns:p="http://schemas.openxmlformats.org/presentationml/2006/main" showMasterSp="0">
   <p:cSld>
     <p:spTree>
       <p:nvGrpSpPr>
@@ -22754,7 +22744,7 @@
 </file>
 
 <file path=ppt/slides/slide29.xml><?xml version="1.0" encoding="utf-8"?>
-<p:sld xmlns:a="http://schemas.openxmlformats.org/drawingml/2006/main" xmlns:r="http://schemas.openxmlformats.org/officeDocument/2006/relationships" xmlns:p="http://schemas.openxmlformats.org/presentationml/2006/main">
+<p:sld xmlns:a="http://schemas.openxmlformats.org/drawingml/2006/main" xmlns:r="http://schemas.openxmlformats.org/officeDocument/2006/relationships" xmlns:p="http://schemas.openxmlformats.org/presentationml/2006/main" showMasterSp="0">
   <p:cSld>
     <p:spTree>
       <p:nvGrpSpPr>
@@ -22796,7 +22786,13 @@
               <a:rPr lang="en-US" sz="4800" dirty="0" smtClean="0">
                 <a:latin typeface="+mj-lt"/>
               </a:rPr>
-              <a:t>Translating Expressions</a:t>
+              <a:t>Translating </a:t>
+            </a:r>
+            <a:r>
+              <a:rPr lang="en-US" sz="4800" dirty="0" smtClean="0">
+                <a:latin typeface="+mj-lt"/>
+              </a:rPr>
+              <a:t>Statements</a:t>
             </a:r>
             <a:endParaRPr lang="en-US" sz="4800" dirty="0">
               <a:latin typeface="+mj-lt"/>
@@ -22847,9 +22843,6 @@
               </a:rPr>
               <a:t>:</a:t>
             </a:r>
-            <a:endParaRPr lang="en-US" sz="2800" dirty="0" smtClean="0">
-              <a:latin typeface="+mj-lt"/>
-            </a:endParaRPr>
           </a:p>
           <a:p>
             <a:pPr marL="285750" indent="-285750">
@@ -22912,14 +22905,7 @@
                 <a:latin typeface="Courier New" panose="02070309020205020404" pitchFamily="49" charset="0"/>
                 <a:cs typeface="Courier New" panose="02070309020205020404" pitchFamily="49" charset="0"/>
               </a:rPr>
-              <a:t>t1 </a:t>
-            </a:r>
-            <a:r>
-              <a:rPr lang="en-US" sz="2800" b="1" dirty="0" smtClean="0">
-                <a:latin typeface="Courier New" panose="02070309020205020404" pitchFamily="49" charset="0"/>
-                <a:cs typeface="Courier New" panose="02070309020205020404" pitchFamily="49" charset="0"/>
-              </a:rPr>
-              <a:t>= </a:t>
+              <a:t>t1 = </a:t>
             </a:r>
             <a:r>
               <a:rPr lang="en-US" sz="2800" b="1" dirty="0">
@@ -22948,10 +22934,6 @@
               </a:rPr>
               <a:t>2 = x</a:t>
             </a:r>
-            <a:endParaRPr lang="en-US" sz="2800" b="1" dirty="0" smtClean="0">
-              <a:latin typeface="Courier New" panose="02070309020205020404" pitchFamily="49" charset="0"/>
-              <a:cs typeface="Courier New" panose="02070309020205020404" pitchFamily="49" charset="0"/>
-            </a:endParaRPr>
           </a:p>
           <a:p>
             <a:r>
@@ -23082,7 +23064,7 @@
 </file>
 
 <file path=ppt/slides/slide3.xml><?xml version="1.0" encoding="utf-8"?>
-<p:sld xmlns:a="http://schemas.openxmlformats.org/drawingml/2006/main" xmlns:r="http://schemas.openxmlformats.org/officeDocument/2006/relationships" xmlns:p="http://schemas.openxmlformats.org/presentationml/2006/main">
+<p:sld xmlns:a="http://schemas.openxmlformats.org/drawingml/2006/main" xmlns:r="http://schemas.openxmlformats.org/officeDocument/2006/relationships" xmlns:p="http://schemas.openxmlformats.org/presentationml/2006/main" showMasterSp="0">
   <p:cSld>
     <p:spTree>
       <p:nvGrpSpPr>
@@ -23326,7 +23308,7 @@
 </file>
 
 <file path=ppt/slides/slide30.xml><?xml version="1.0" encoding="utf-8"?>
-<p:sld xmlns:a="http://schemas.openxmlformats.org/drawingml/2006/main" xmlns:r="http://schemas.openxmlformats.org/officeDocument/2006/relationships" xmlns:p="http://schemas.openxmlformats.org/presentationml/2006/main">
+<p:sld xmlns:a="http://schemas.openxmlformats.org/drawingml/2006/main" xmlns:r="http://schemas.openxmlformats.org/officeDocument/2006/relationships" xmlns:p="http://schemas.openxmlformats.org/presentationml/2006/main" showMasterSp="0">
   <p:cSld>
     <p:spTree>
       <p:nvGrpSpPr>
@@ -24101,7 +24083,7 @@
 </file>
 
 <file path=ppt/slides/slide31.xml><?xml version="1.0" encoding="utf-8"?>
-<p:sld xmlns:a="http://schemas.openxmlformats.org/drawingml/2006/main" xmlns:r="http://schemas.openxmlformats.org/officeDocument/2006/relationships" xmlns:p="http://schemas.openxmlformats.org/presentationml/2006/main">
+<p:sld xmlns:a="http://schemas.openxmlformats.org/drawingml/2006/main" xmlns:r="http://schemas.openxmlformats.org/officeDocument/2006/relationships" xmlns:p="http://schemas.openxmlformats.org/presentationml/2006/main" showMasterSp="0">
   <p:cSld>
     <p:spTree>
       <p:nvGrpSpPr>
@@ -24143,7 +24125,13 @@
               <a:rPr lang="en-US" sz="4800" dirty="0" smtClean="0">
                 <a:latin typeface="+mj-lt"/>
               </a:rPr>
-              <a:t>Translating Expressions</a:t>
+              <a:t>Translating </a:t>
+            </a:r>
+            <a:r>
+              <a:rPr lang="en-US" sz="4800" dirty="0" smtClean="0">
+                <a:latin typeface="+mj-lt"/>
+              </a:rPr>
+              <a:t>Statements</a:t>
             </a:r>
             <a:endParaRPr lang="en-US" sz="4800" dirty="0">
               <a:latin typeface="+mj-lt"/>
@@ -24203,9 +24191,6 @@
               </a:rPr>
               <a:t>:</a:t>
             </a:r>
-            <a:endParaRPr lang="en-US" sz="2800" dirty="0" smtClean="0">
-              <a:latin typeface="+mj-lt"/>
-            </a:endParaRPr>
           </a:p>
           <a:p>
             <a:pPr marL="285750" indent="-285750">
@@ -24245,21 +24230,7 @@
                 <a:latin typeface="Courier New" panose="02070309020205020404" pitchFamily="49" charset="0"/>
                 <a:cs typeface="Courier New" panose="02070309020205020404" pitchFamily="49" charset="0"/>
               </a:rPr>
-              <a:t>t1 </a:t>
-            </a:r>
-            <a:r>
-              <a:rPr lang="en-US" sz="2800" b="1" dirty="0" smtClean="0">
-                <a:latin typeface="Courier New" panose="02070309020205020404" pitchFamily="49" charset="0"/>
-                <a:cs typeface="Courier New" panose="02070309020205020404" pitchFamily="49" charset="0"/>
-              </a:rPr>
-              <a:t>= </a:t>
-            </a:r>
-            <a:r>
-              <a:rPr lang="en-US" sz="2800" b="1" dirty="0" smtClean="0">
-                <a:latin typeface="Courier New" panose="02070309020205020404" pitchFamily="49" charset="0"/>
-                <a:cs typeface="Courier New" panose="02070309020205020404" pitchFamily="49" charset="0"/>
-              </a:rPr>
-              <a:t>2</a:t>
+              <a:t>t1 = 2</a:t>
             </a:r>
           </a:p>
           <a:p>
@@ -24367,7 +24338,7 @@
 </file>
 
 <file path=ppt/slides/slide32.xml><?xml version="1.0" encoding="utf-8"?>
-<p:sld xmlns:a="http://schemas.openxmlformats.org/drawingml/2006/main" xmlns:r="http://schemas.openxmlformats.org/officeDocument/2006/relationships" xmlns:p="http://schemas.openxmlformats.org/presentationml/2006/main">
+<p:sld xmlns:a="http://schemas.openxmlformats.org/drawingml/2006/main" xmlns:r="http://schemas.openxmlformats.org/officeDocument/2006/relationships" xmlns:p="http://schemas.openxmlformats.org/presentationml/2006/main" showMasterSp="0">
   <p:cSld>
     <p:spTree>
       <p:nvGrpSpPr>
@@ -25355,7 +25326,7 @@
 </file>
 
 <file path=ppt/slides/slide33.xml><?xml version="1.0" encoding="utf-8"?>
-<p:sld xmlns:a="http://schemas.openxmlformats.org/drawingml/2006/main" xmlns:r="http://schemas.openxmlformats.org/officeDocument/2006/relationships" xmlns:p="http://schemas.openxmlformats.org/presentationml/2006/main">
+<p:sld xmlns:a="http://schemas.openxmlformats.org/drawingml/2006/main" xmlns:r="http://schemas.openxmlformats.org/officeDocument/2006/relationships" xmlns:p="http://schemas.openxmlformats.org/presentationml/2006/main" showMasterSp="0">
   <p:cSld>
     <p:spTree>
       <p:nvGrpSpPr>
@@ -25397,7 +25368,13 @@
               <a:rPr lang="en-US" sz="4800" dirty="0" smtClean="0">
                 <a:latin typeface="+mj-lt"/>
               </a:rPr>
-              <a:t>Translating Expressions</a:t>
+              <a:t>Translating </a:t>
+            </a:r>
+            <a:r>
+              <a:rPr lang="en-US" sz="4800" dirty="0" smtClean="0">
+                <a:latin typeface="+mj-lt"/>
+              </a:rPr>
+              <a:t>Statements</a:t>
             </a:r>
             <a:endParaRPr lang="en-US" sz="4800" dirty="0">
               <a:latin typeface="+mj-lt"/>
@@ -25457,9 +25434,6 @@
               </a:rPr>
               <a:t>:</a:t>
             </a:r>
-            <a:endParaRPr lang="en-US" sz="2800" dirty="0" smtClean="0">
-              <a:latin typeface="+mj-lt"/>
-            </a:endParaRPr>
           </a:p>
           <a:p>
             <a:pPr marL="285750" indent="-285750">
@@ -25526,21 +25500,7 @@
                 <a:latin typeface="Courier New" panose="02070309020205020404" pitchFamily="49" charset="0"/>
                 <a:cs typeface="Courier New" panose="02070309020205020404" pitchFamily="49" charset="0"/>
               </a:rPr>
-              <a:t>t2 </a:t>
-            </a:r>
-            <a:r>
-              <a:rPr lang="en-US" sz="2800" b="1" dirty="0" smtClean="0">
-                <a:latin typeface="Courier New" panose="02070309020205020404" pitchFamily="49" charset="0"/>
-                <a:cs typeface="Courier New" panose="02070309020205020404" pitchFamily="49" charset="0"/>
-              </a:rPr>
-              <a:t>= </a:t>
-            </a:r>
-            <a:r>
-              <a:rPr lang="en-US" sz="2800" b="1" dirty="0" smtClean="0">
-                <a:latin typeface="Courier New" panose="02070309020205020404" pitchFamily="49" charset="0"/>
-                <a:cs typeface="Courier New" panose="02070309020205020404" pitchFamily="49" charset="0"/>
-              </a:rPr>
-              <a:t>2</a:t>
+              <a:t>t2 = 2</a:t>
             </a:r>
           </a:p>
           <a:p>
@@ -25648,7 +25608,7 @@
 </file>
 
 <file path=ppt/slides/slide34.xml><?xml version="1.0" encoding="utf-8"?>
-<p:sld xmlns:a="http://schemas.openxmlformats.org/drawingml/2006/main" xmlns:r="http://schemas.openxmlformats.org/officeDocument/2006/relationships" xmlns:p="http://schemas.openxmlformats.org/presentationml/2006/main">
+<p:sld xmlns:a="http://schemas.openxmlformats.org/drawingml/2006/main" xmlns:r="http://schemas.openxmlformats.org/officeDocument/2006/relationships" xmlns:p="http://schemas.openxmlformats.org/presentationml/2006/main" showMasterSp="0">
   <p:cSld>
     <p:spTree>
       <p:nvGrpSpPr>
@@ -26076,7 +26036,7 @@
 </file>
 
 <file path=ppt/slides/slide35.xml><?xml version="1.0" encoding="utf-8"?>
-<p:sld xmlns:a="http://schemas.openxmlformats.org/drawingml/2006/main" xmlns:r="http://schemas.openxmlformats.org/officeDocument/2006/relationships" xmlns:p="http://schemas.openxmlformats.org/presentationml/2006/main">
+<p:sld xmlns:a="http://schemas.openxmlformats.org/drawingml/2006/main" xmlns:r="http://schemas.openxmlformats.org/officeDocument/2006/relationships" xmlns:p="http://schemas.openxmlformats.org/presentationml/2006/main" showMasterSp="0">
   <p:cSld>
     <p:spTree>
       <p:nvGrpSpPr>
@@ -26118,7 +26078,13 @@
               <a:rPr lang="en-US" sz="4800" dirty="0" smtClean="0">
                 <a:latin typeface="+mj-lt"/>
               </a:rPr>
-              <a:t>Translating Expressions</a:t>
+              <a:t>Translating </a:t>
+            </a:r>
+            <a:r>
+              <a:rPr lang="en-US" sz="4800" dirty="0" smtClean="0">
+                <a:latin typeface="+mj-lt"/>
+              </a:rPr>
+              <a:t>Statements</a:t>
             </a:r>
             <a:endParaRPr lang="en-US" sz="4800" dirty="0">
               <a:latin typeface="+mj-lt"/>
@@ -26169,9 +26135,6 @@
               </a:rPr>
               <a:t>:</a:t>
             </a:r>
-            <a:endParaRPr lang="en-US" sz="2800" dirty="0" smtClean="0">
-              <a:latin typeface="+mj-lt"/>
-            </a:endParaRPr>
           </a:p>
           <a:p>
             <a:endParaRPr lang="en-US" sz="2800" b="1" dirty="0" smtClean="0">
@@ -26223,14 +26186,7 @@
                 <a:latin typeface="Courier New" panose="02070309020205020404" pitchFamily="49" charset="0"/>
                 <a:cs typeface="Courier New" panose="02070309020205020404" pitchFamily="49" charset="0"/>
               </a:rPr>
-              <a:t>t2 </a:t>
-            </a:r>
-            <a:r>
-              <a:rPr lang="en-US" sz="2800" b="1" dirty="0" smtClean="0">
-                <a:latin typeface="Courier New" panose="02070309020205020404" pitchFamily="49" charset="0"/>
-                <a:cs typeface="Courier New" panose="02070309020205020404" pitchFamily="49" charset="0"/>
-              </a:rPr>
-              <a:t>= </a:t>
+              <a:t>t2 = </a:t>
             </a:r>
             <a:r>
               <a:rPr lang="en-US" sz="2800" b="1" dirty="0">
@@ -26310,7 +26266,7 @@
 </file>
 
 <file path=ppt/slides/slide36.xml><?xml version="1.0" encoding="utf-8"?>
-<p:sld xmlns:a="http://schemas.openxmlformats.org/drawingml/2006/main" xmlns:r="http://schemas.openxmlformats.org/officeDocument/2006/relationships" xmlns:p="http://schemas.openxmlformats.org/presentationml/2006/main">
+<p:sld xmlns:a="http://schemas.openxmlformats.org/drawingml/2006/main" xmlns:r="http://schemas.openxmlformats.org/officeDocument/2006/relationships" xmlns:p="http://schemas.openxmlformats.org/presentationml/2006/main" showMasterSp="0">
   <p:cSld>
     <p:spTree>
       <p:nvGrpSpPr>
@@ -26360,8 +26316,8 @@
           </a:p>
         </p:txBody>
       </p:sp>
-      <mc:AlternateContent xmlns:mc="http://schemas.openxmlformats.org/markup-compatibility/2006" xmlns:a14="http://schemas.microsoft.com/office/drawing/2010/main">
-        <mc:Choice Requires="a14">
+      <mc:AlternateContent xmlns:mc="http://schemas.openxmlformats.org/markup-compatibility/2006">
+        <mc:Choice xmlns:a14="http://schemas.microsoft.com/office/drawing/2010/main" Requires="a14">
           <p:sp>
             <p:nvSpPr>
               <p:cNvPr id="7" name="TextBox 6"/>
@@ -26447,12 +26403,25 @@
                     <a:latin typeface="Courier New" panose="02070309020205020404" pitchFamily="49" charset="0"/>
                     <a:cs typeface="Courier New" panose="02070309020205020404" pitchFamily="49" charset="0"/>
                   </a:rPr>
-                  <a:t> x = 42;</a:t>
+                  <a:t> </a:t>
+                </a:r>
+                <a:r>
+                  <a:rPr lang="en-US" sz="2400" b="1" dirty="0" smtClean="0">
+                    <a:solidFill>
+                      <a:srgbClr val="C00000"/>
+                    </a:solidFill>
+                    <a:latin typeface="Courier New" panose="02070309020205020404" pitchFamily="49" charset="0"/>
+                    <a:cs typeface="Courier New" panose="02070309020205020404" pitchFamily="49" charset="0"/>
+                  </a:rPr>
+                  <a:t>x = 42;</a:t>
                 </a:r>
               </a:p>
               <a:p>
                 <a:r>
                   <a:rPr lang="en-US" sz="2400" b="1" dirty="0" smtClean="0">
+                    <a:solidFill>
+                      <a:srgbClr val="C00000"/>
+                    </a:solidFill>
                     <a:latin typeface="Courier New" panose="02070309020205020404" pitchFamily="49" charset="0"/>
                     <a:cs typeface="Courier New" panose="02070309020205020404" pitchFamily="49" charset="0"/>
                   </a:rPr>
@@ -26462,12 +26431,18 @@
               <a:p>
                 <a:r>
                   <a:rPr lang="en-US" sz="2400" b="1" dirty="0" smtClean="0">
+                    <a:solidFill>
+                      <a:srgbClr val="C00000"/>
+                    </a:solidFill>
                     <a:latin typeface="Courier New" panose="02070309020205020404" pitchFamily="49" charset="0"/>
                     <a:cs typeface="Courier New" panose="02070309020205020404" pitchFamily="49" charset="0"/>
                   </a:rPr>
                   <a:t>    x = x – 1;</a:t>
                 </a:r>
                 <a:endParaRPr lang="en-US" sz="2400" b="1" dirty="0">
+                  <a:solidFill>
+                    <a:srgbClr val="C00000"/>
+                  </a:solidFill>
                   <a:latin typeface="Courier New" panose="02070309020205020404" pitchFamily="49" charset="0"/>
                   <a:cs typeface="Courier New" panose="02070309020205020404" pitchFamily="49" charset="0"/>
                 </a:endParaRPr>
@@ -26475,6 +26450,9 @@
               <a:p>
                 <a:r>
                   <a:rPr lang="en-US" sz="2400" b="1" dirty="0" smtClean="0">
+                    <a:solidFill>
+                      <a:srgbClr val="C00000"/>
+                    </a:solidFill>
                     <a:latin typeface="Courier New" panose="02070309020205020404" pitchFamily="49" charset="0"/>
                     <a:cs typeface="Courier New" panose="02070309020205020404" pitchFamily="49" charset="0"/>
                   </a:rPr>
@@ -26507,7 +26485,7 @@
             </p:txBody>
           </p:sp>
         </mc:Choice>
-        <mc:Fallback xmlns="">
+        <mc:Fallback>
           <p:sp>
             <p:nvSpPr>
               <p:cNvPr id="7" name="TextBox 6"/>
@@ -26684,7 +26662,7 @@
 </file>
 
 <file path=ppt/slides/slide37.xml><?xml version="1.0" encoding="utf-8"?>
-<p:sld xmlns:a="http://schemas.openxmlformats.org/drawingml/2006/main" xmlns:r="http://schemas.openxmlformats.org/officeDocument/2006/relationships" xmlns:p="http://schemas.openxmlformats.org/presentationml/2006/main">
+<p:sld xmlns:a="http://schemas.openxmlformats.org/drawingml/2006/main" xmlns:r="http://schemas.openxmlformats.org/officeDocument/2006/relationships" xmlns:p="http://schemas.openxmlformats.org/presentationml/2006/main" showMasterSp="0">
   <p:cSld>
     <p:spTree>
       <p:nvGrpSpPr>
@@ -26734,8 +26712,8 @@
           </a:p>
         </p:txBody>
       </p:sp>
-      <mc:AlternateContent xmlns:mc="http://schemas.openxmlformats.org/markup-compatibility/2006" xmlns:a14="http://schemas.microsoft.com/office/drawing/2010/main">
-        <mc:Choice Requires="a14">
+      <mc:AlternateContent xmlns:mc="http://schemas.openxmlformats.org/markup-compatibility/2006">
+        <mc:Choice xmlns:a14="http://schemas.microsoft.com/office/drawing/2010/main" Requires="a14">
           <p:sp>
             <p:nvSpPr>
               <p:cNvPr id="7" name="TextBox 6"/>
@@ -26799,11 +26777,29 @@
                 </a14:m>
                 <a:r>
                   <a:rPr lang="en-US" sz="2400" b="1" dirty="0" smtClean="0">
+                    <a:solidFill>
+                      <a:srgbClr val="C00000"/>
+                    </a:solidFill>
                     <a:latin typeface="Courier New" panose="02070309020205020404" pitchFamily="49" charset="0"/>
                     <a:cs typeface="Courier New" panose="02070309020205020404" pitchFamily="49" charset="0"/>
                   </a:rPr>
-                  <a:t>x = 42)</a:t>
+                  <a:t>x = 42</a:t>
                 </a:r>
+                <a14:m>
+                  <m:oMath xmlns:m="http://schemas.openxmlformats.org/officeDocument/2006/math">
+                    <m:r>
+                      <a:rPr lang="en-US" sz="2400" b="0" i="1" smtClean="0">
+                        <a:latin typeface="Cambria Math" panose="02040503050406030204" pitchFamily="18" charset="0"/>
+                        <a:cs typeface="Courier New" panose="02070309020205020404" pitchFamily="49" charset="0"/>
+                      </a:rPr>
+                      <m:t>)</m:t>
+                    </m:r>
+                  </m:oMath>
+                </a14:m>
+                <a:endParaRPr lang="en-US" sz="2400" b="1" dirty="0" smtClean="0">
+                  <a:latin typeface="Courier New" panose="02070309020205020404" pitchFamily="49" charset="0"/>
+                  <a:cs typeface="Courier New" panose="02070309020205020404" pitchFamily="49" charset="0"/>
+                </a:endParaRPr>
               </a:p>
               <a:p>
                 <a:pPr/>
@@ -26862,18 +26858,34 @@
                     <a:latin typeface="Courier New" panose="02070309020205020404" pitchFamily="49" charset="0"/>
                     <a:cs typeface="Courier New" panose="02070309020205020404" pitchFamily="49" charset="0"/>
                   </a:rPr>
-                  <a:t>  while (x &gt; 0) {</a:t>
+                  <a:t>  </a:t>
+                </a:r>
+                <a:r>
+                  <a:rPr lang="en-US" sz="2400" b="1" dirty="0" smtClean="0">
+                    <a:solidFill>
+                      <a:srgbClr val="C00000"/>
+                    </a:solidFill>
+                    <a:latin typeface="Courier New" panose="02070309020205020404" pitchFamily="49" charset="0"/>
+                    <a:cs typeface="Courier New" panose="02070309020205020404" pitchFamily="49" charset="0"/>
+                  </a:rPr>
+                  <a:t>while (x &gt; 0) {</a:t>
                 </a:r>
               </a:p>
               <a:p>
                 <a:r>
                   <a:rPr lang="en-US" sz="2400" b="1" dirty="0" smtClean="0">
+                    <a:solidFill>
+                      <a:srgbClr val="C00000"/>
+                    </a:solidFill>
                     <a:latin typeface="Courier New" panose="02070309020205020404" pitchFamily="49" charset="0"/>
                     <a:cs typeface="Courier New" panose="02070309020205020404" pitchFamily="49" charset="0"/>
                   </a:rPr>
                   <a:t>    x = x – 1;</a:t>
                 </a:r>
                 <a:endParaRPr lang="en-US" sz="2400" b="1" dirty="0">
+                  <a:solidFill>
+                    <a:srgbClr val="C00000"/>
+                  </a:solidFill>
                   <a:latin typeface="Courier New" panose="02070309020205020404" pitchFamily="49" charset="0"/>
                   <a:cs typeface="Courier New" panose="02070309020205020404" pitchFamily="49" charset="0"/>
                 </a:endParaRPr>
@@ -26881,6 +26893,9 @@
               <a:p>
                 <a:r>
                   <a:rPr lang="en-US" sz="2400" b="1" dirty="0" smtClean="0">
+                    <a:solidFill>
+                      <a:srgbClr val="C00000"/>
+                    </a:solidFill>
                     <a:latin typeface="Courier New" panose="02070309020205020404" pitchFamily="49" charset="0"/>
                     <a:cs typeface="Courier New" panose="02070309020205020404" pitchFamily="49" charset="0"/>
                   </a:rPr>
@@ -26913,7 +26928,7 @@
             </p:txBody>
           </p:sp>
         </mc:Choice>
-        <mc:Fallback xmlns="">
+        <mc:Fallback>
           <p:sp>
             <p:nvSpPr>
               <p:cNvPr id="7" name="TextBox 6"/>
@@ -27090,7 +27105,7 @@
 </file>
 
 <file path=ppt/slides/slide38.xml><?xml version="1.0" encoding="utf-8"?>
-<p:sld xmlns:a="http://schemas.openxmlformats.org/drawingml/2006/main" xmlns:r="http://schemas.openxmlformats.org/officeDocument/2006/relationships" xmlns:p="http://schemas.openxmlformats.org/presentationml/2006/main">
+<p:sld xmlns:a="http://schemas.openxmlformats.org/drawingml/2006/main" xmlns:r="http://schemas.openxmlformats.org/officeDocument/2006/relationships" xmlns:p="http://schemas.openxmlformats.org/presentationml/2006/main" showMasterSp="0">
   <p:cSld>
     <p:spTree>
       <p:nvGrpSpPr>
@@ -27166,9 +27181,6 @@
               <a:p>
                 <a:r>
                   <a:rPr lang="en-US" sz="2400" b="1" dirty="0">
-                    <a:solidFill>
-                      <a:srgbClr val="C00000"/>
-                    </a:solidFill>
                     <a:latin typeface="Courier New" panose="02070309020205020404" pitchFamily="49" charset="0"/>
                     <a:cs typeface="Courier New" panose="02070309020205020404" pitchFamily="49" charset="0"/>
                   </a:rPr>
@@ -27178,9 +27190,6 @@
               <a:p>
                 <a:r>
                   <a:rPr lang="en-US" sz="2400" b="1" dirty="0">
-                    <a:solidFill>
-                      <a:srgbClr val="C00000"/>
-                    </a:solidFill>
                     <a:latin typeface="Courier New" panose="02070309020205020404" pitchFamily="49" charset="0"/>
                     <a:cs typeface="Courier New" panose="02070309020205020404" pitchFamily="49" charset="0"/>
                   </a:rPr>
@@ -27244,18 +27253,34 @@
                     <a:latin typeface="Courier New" panose="02070309020205020404" pitchFamily="49" charset="0"/>
                     <a:cs typeface="Courier New" panose="02070309020205020404" pitchFamily="49" charset="0"/>
                   </a:rPr>
-                  <a:t>  while (x &gt; 0) {</a:t>
+                  <a:t>  </a:t>
+                </a:r>
+                <a:r>
+                  <a:rPr lang="en-US" sz="2400" b="1" dirty="0" smtClean="0">
+                    <a:solidFill>
+                      <a:srgbClr val="C00000"/>
+                    </a:solidFill>
+                    <a:latin typeface="Courier New" panose="02070309020205020404" pitchFamily="49" charset="0"/>
+                    <a:cs typeface="Courier New" panose="02070309020205020404" pitchFamily="49" charset="0"/>
+                  </a:rPr>
+                  <a:t>while (x &gt; 0) {</a:t>
                 </a:r>
               </a:p>
               <a:p>
                 <a:r>
                   <a:rPr lang="en-US" sz="2400" b="1" dirty="0" smtClean="0">
+                    <a:solidFill>
+                      <a:srgbClr val="C00000"/>
+                    </a:solidFill>
                     <a:latin typeface="Courier New" panose="02070309020205020404" pitchFamily="49" charset="0"/>
                     <a:cs typeface="Courier New" panose="02070309020205020404" pitchFamily="49" charset="0"/>
                   </a:rPr>
                   <a:t>    x = x – 1;</a:t>
                 </a:r>
                 <a:endParaRPr lang="en-US" sz="2400" b="1" dirty="0">
+                  <a:solidFill>
+                    <a:srgbClr val="C00000"/>
+                  </a:solidFill>
                   <a:latin typeface="Courier New" panose="02070309020205020404" pitchFamily="49" charset="0"/>
                   <a:cs typeface="Courier New" panose="02070309020205020404" pitchFamily="49" charset="0"/>
                 </a:endParaRPr>
@@ -27263,6 +27288,9 @@
               <a:p>
                 <a:r>
                   <a:rPr lang="en-US" sz="2400" b="1" dirty="0" smtClean="0">
+                    <a:solidFill>
+                      <a:srgbClr val="C00000"/>
+                    </a:solidFill>
                     <a:latin typeface="Courier New" panose="02070309020205020404" pitchFamily="49" charset="0"/>
                     <a:cs typeface="Courier New" panose="02070309020205020404" pitchFamily="49" charset="0"/>
                   </a:rPr>
@@ -27472,7 +27500,7 @@
 </file>
 
 <file path=ppt/slides/slide39.xml><?xml version="1.0" encoding="utf-8"?>
-<p:sld xmlns:a="http://schemas.openxmlformats.org/drawingml/2006/main" xmlns:r="http://schemas.openxmlformats.org/officeDocument/2006/relationships" xmlns:p="http://schemas.openxmlformats.org/presentationml/2006/main">
+<p:sld xmlns:a="http://schemas.openxmlformats.org/drawingml/2006/main" xmlns:r="http://schemas.openxmlformats.org/officeDocument/2006/relationships" xmlns:p="http://schemas.openxmlformats.org/presentationml/2006/main" showMasterSp="0">
   <p:cSld>
     <p:spTree>
       <p:nvGrpSpPr>
@@ -27691,7 +27719,7 @@
                 <a:r>
                   <a:rPr lang="en-US" sz="2400" b="1" dirty="0" smtClean="0">
                     <a:solidFill>
-                      <a:srgbClr val="C00000"/>
+                      <a:schemeClr val="tx1"/>
                     </a:solidFill>
                     <a:latin typeface="Courier New" panose="02070309020205020404" pitchFamily="49" charset="0"/>
                     <a:cs typeface="Courier New" panose="02070309020205020404" pitchFamily="49" charset="0"/>
@@ -27701,7 +27729,7 @@
                 <a:r>
                   <a:rPr lang="en-US" sz="2400" b="1" dirty="0">
                     <a:solidFill>
-                      <a:srgbClr val="C00000"/>
+                      <a:schemeClr val="tx1"/>
                     </a:solidFill>
                     <a:latin typeface="Courier New" panose="02070309020205020404" pitchFamily="49" charset="0"/>
                     <a:cs typeface="Courier New" panose="02070309020205020404" pitchFamily="49" charset="0"/>
@@ -27717,7 +27745,7 @@
                         <m:ctrlPr>
                           <a:rPr lang="en-US" sz="2400" i="1">
                             <a:solidFill>
-                              <a:srgbClr val="C00000"/>
+                              <a:schemeClr val="tx1"/>
                             </a:solidFill>
                             <a:latin typeface="Cambria Math" panose="02040503050406030204" pitchFamily="18" charset="0"/>
                             <a:cs typeface="Courier New" panose="02070309020205020404" pitchFamily="49" charset="0"/>
@@ -27728,7 +27756,7 @@
                         <m:r>
                           <a:rPr lang="en-US" sz="2400" i="1">
                             <a:solidFill>
-                              <a:srgbClr val="C00000"/>
+                              <a:schemeClr val="tx1"/>
                             </a:solidFill>
                             <a:latin typeface="Cambria Math" panose="02040503050406030204" pitchFamily="18" charset="0"/>
                             <a:cs typeface="Courier New" panose="02070309020205020404" pitchFamily="49" charset="0"/>
@@ -27740,7 +27768,7 @@
                         <m:r>
                           <a:rPr lang="en-US" sz="2400" i="1">
                             <a:solidFill>
-                              <a:srgbClr val="C00000"/>
+                              <a:schemeClr val="tx1"/>
                             </a:solidFill>
                             <a:latin typeface="Cambria Math" panose="02040503050406030204" pitchFamily="18" charset="0"/>
                             <a:cs typeface="Courier New" panose="02070309020205020404" pitchFamily="49" charset="0"/>
@@ -27752,7 +27780,7 @@
                     <m:r>
                       <a:rPr lang="en-US" sz="2400" i="1">
                         <a:solidFill>
-                          <a:srgbClr val="C00000"/>
+                          <a:schemeClr val="tx1"/>
                         </a:solidFill>
                         <a:latin typeface="Cambria Math" panose="02040503050406030204" pitchFamily="18" charset="0"/>
                         <a:cs typeface="Courier New" panose="02070309020205020404" pitchFamily="49" charset="0"/>
@@ -27769,21 +27797,22 @@
                     <a:latin typeface="Courier New" panose="02070309020205020404" pitchFamily="49" charset="0"/>
                     <a:cs typeface="Courier New" panose="02070309020205020404" pitchFamily="49" charset="0"/>
                   </a:rPr>
-                  <a:t>x </a:t>
+                  <a:t>x &gt; 0</a:t>
                 </a:r>
-                <a:r>
-                  <a:rPr lang="en-US" sz="2400" b="1" dirty="0">
-                    <a:solidFill>
-                      <a:srgbClr val="C00000"/>
-                    </a:solidFill>
-                    <a:latin typeface="Courier New" panose="02070309020205020404" pitchFamily="49" charset="0"/>
-                    <a:cs typeface="Courier New" panose="02070309020205020404" pitchFamily="49" charset="0"/>
-                  </a:rPr>
-                  <a:t>&gt; 0)</a:t>
-                </a:r>
+                <a14:m>
+                  <m:oMath xmlns:m="http://schemas.openxmlformats.org/officeDocument/2006/math">
+                    <m:r>
+                      <a:rPr lang="en-US" sz="2400" b="0" i="1" smtClean="0">
+                        <a:latin typeface="Cambria Math" panose="02040503050406030204" pitchFamily="18" charset="0"/>
+                        <a:cs typeface="Courier New" panose="02070309020205020404" pitchFamily="49" charset="0"/>
+                      </a:rPr>
+                      <m:t>)</m:t>
+                    </m:r>
+                  </m:oMath>
+                </a14:m>
                 <a:endParaRPr lang="en-US" sz="2400" b="1" dirty="0">
                   <a:solidFill>
-                    <a:srgbClr val="C00000"/>
+                    <a:schemeClr val="tx1"/>
                   </a:solidFill>
                   <a:latin typeface="Courier New" panose="02070309020205020404" pitchFamily="49" charset="0"/>
                   <a:cs typeface="Courier New" panose="02070309020205020404" pitchFamily="49" charset="0"/>
@@ -27793,7 +27822,7 @@
                 <a:r>
                   <a:rPr lang="en-US" sz="2400" b="1" dirty="0">
                     <a:solidFill>
-                      <a:srgbClr val="C00000"/>
+                      <a:schemeClr val="tx1"/>
                     </a:solidFill>
                     <a:latin typeface="Courier New" panose="02070309020205020404" pitchFamily="49" charset="0"/>
                     <a:cs typeface="Courier New" panose="02070309020205020404" pitchFamily="49" charset="0"/>
@@ -27807,7 +27836,7 @@
                         <m:ctrlPr>
                           <a:rPr lang="en-US" sz="2400" i="1">
                             <a:solidFill>
-                              <a:srgbClr val="C00000"/>
+                              <a:schemeClr val="tx1"/>
                             </a:solidFill>
                             <a:latin typeface="Cambria Math" panose="02040503050406030204" pitchFamily="18" charset="0"/>
                             <a:cs typeface="Courier New" panose="02070309020205020404" pitchFamily="49" charset="0"/>
@@ -27818,7 +27847,7 @@
                         <m:r>
                           <a:rPr lang="en-US" sz="2400" i="1">
                             <a:solidFill>
-                              <a:srgbClr val="C00000"/>
+                              <a:schemeClr val="tx1"/>
                             </a:solidFill>
                             <a:latin typeface="Cambria Math" panose="02040503050406030204" pitchFamily="18" charset="0"/>
                             <a:cs typeface="Courier New" panose="02070309020205020404" pitchFamily="49" charset="0"/>
@@ -27830,7 +27859,7 @@
                         <m:r>
                           <a:rPr lang="en-US" sz="2400" i="1">
                             <a:solidFill>
-                              <a:srgbClr val="C00000"/>
+                              <a:schemeClr val="tx1"/>
                             </a:solidFill>
                             <a:latin typeface="Cambria Math" panose="02040503050406030204" pitchFamily="18" charset="0"/>
                             <a:cs typeface="Courier New" panose="02070309020205020404" pitchFamily="49" charset="0"/>
@@ -27842,7 +27871,7 @@
                     <m:r>
                       <a:rPr lang="en-US" sz="2400" i="1">
                         <a:solidFill>
-                          <a:srgbClr val="C00000"/>
+                          <a:schemeClr val="tx1"/>
                         </a:solidFill>
                         <a:latin typeface="Cambria Math" panose="02040503050406030204" pitchFamily="18" charset="0"/>
                         <a:cs typeface="Courier New" panose="02070309020205020404" pitchFamily="49" charset="0"/>
@@ -27859,12 +27888,33 @@
                     <a:latin typeface="Courier New" panose="02070309020205020404" pitchFamily="49" charset="0"/>
                     <a:cs typeface="Courier New" panose="02070309020205020404" pitchFamily="49" charset="0"/>
                   </a:rPr>
-                  <a:t>x &gt; 0), </a:t>
+                  <a:t>x &gt; 0</a:t>
+                </a:r>
+                <a14:m>
+                  <m:oMath xmlns:m="http://schemas.openxmlformats.org/officeDocument/2006/math">
+                    <m:r>
+                      <a:rPr lang="en-US" sz="2400" b="0" i="1" smtClean="0">
+                        <a:latin typeface="Cambria Math" panose="02040503050406030204" pitchFamily="18" charset="0"/>
+                        <a:cs typeface="Courier New" panose="02070309020205020404" pitchFamily="49" charset="0"/>
+                      </a:rPr>
+                      <m:t>)</m:t>
+                    </m:r>
+                  </m:oMath>
+                </a14:m>
+                <a:r>
+                  <a:rPr lang="en-US" sz="2400" b="1" dirty="0" smtClean="0">
+                    <a:solidFill>
+                      <a:schemeClr val="tx1"/>
+                    </a:solidFill>
+                    <a:latin typeface="Courier New" panose="02070309020205020404" pitchFamily="49" charset="0"/>
+                    <a:cs typeface="Courier New" panose="02070309020205020404" pitchFamily="49" charset="0"/>
+                  </a:rPr>
+                  <a:t>, </a:t>
                 </a:r>
                 <a:r>
                   <a:rPr lang="en-US" sz="2400" b="1" dirty="0">
                     <a:solidFill>
-                      <a:srgbClr val="C00000"/>
+                      <a:schemeClr val="tx1"/>
                     </a:solidFill>
                     <a:latin typeface="Courier New" panose="02070309020205020404" pitchFamily="49" charset="0"/>
                     <a:cs typeface="Courier New" panose="02070309020205020404" pitchFamily="49" charset="0"/>
@@ -27876,7 +27926,7 @@
                 <a:r>
                   <a:rPr lang="en-US" sz="2400" b="1" dirty="0" err="1">
                     <a:solidFill>
-                      <a:srgbClr val="C00000"/>
+                      <a:schemeClr val="tx1"/>
                     </a:solidFill>
                     <a:latin typeface="Courier New" panose="02070309020205020404" pitchFamily="49" charset="0"/>
                     <a:cs typeface="Courier New" panose="02070309020205020404" pitchFamily="49" charset="0"/>
@@ -27886,7 +27936,7 @@
                 <a:r>
                   <a:rPr lang="en-US" sz="2400" b="1" dirty="0">
                     <a:solidFill>
-                      <a:srgbClr val="C00000"/>
+                      <a:schemeClr val="tx1"/>
                     </a:solidFill>
                     <a:latin typeface="Courier New" panose="02070309020205020404" pitchFamily="49" charset="0"/>
                     <a:cs typeface="Courier New" panose="02070309020205020404" pitchFamily="49" charset="0"/>
@@ -27896,7 +27946,7 @@
                 <a:r>
                   <a:rPr lang="en-US" sz="2400" b="1" dirty="0" err="1">
                     <a:solidFill>
-                      <a:srgbClr val="C00000"/>
+                      <a:schemeClr val="tx1"/>
                     </a:solidFill>
                     <a:latin typeface="Courier New" panose="02070309020205020404" pitchFamily="49" charset="0"/>
                     <a:cs typeface="Courier New" panose="02070309020205020404" pitchFamily="49" charset="0"/>
@@ -27905,7 +27955,7 @@
                 </a:r>
                 <a:endParaRPr lang="en-US" sz="2400" b="1" dirty="0">
                   <a:solidFill>
-                    <a:srgbClr val="C00000"/>
+                    <a:schemeClr val="tx1"/>
                   </a:solidFill>
                   <a:latin typeface="Courier New" panose="02070309020205020404" pitchFamily="49" charset="0"/>
                   <a:cs typeface="Courier New" panose="02070309020205020404" pitchFamily="49" charset="0"/>
@@ -27919,7 +27969,7 @@
                         <m:ctrlPr>
                           <a:rPr lang="en-US" sz="2400" i="1">
                             <a:solidFill>
-                              <a:srgbClr val="C00000"/>
+                              <a:schemeClr val="tx1"/>
                             </a:solidFill>
                             <a:latin typeface="Cambria Math" panose="02040503050406030204" pitchFamily="18" charset="0"/>
                             <a:cs typeface="Courier New" panose="02070309020205020404" pitchFamily="49" charset="0"/>
@@ -27930,7 +27980,7 @@
                         <m:r>
                           <a:rPr lang="en-US" sz="2400" i="1">
                             <a:solidFill>
-                              <a:srgbClr val="C00000"/>
+                              <a:schemeClr val="tx1"/>
                             </a:solidFill>
                             <a:latin typeface="Cambria Math" panose="02040503050406030204" pitchFamily="18" charset="0"/>
                             <a:cs typeface="Courier New" panose="02070309020205020404" pitchFamily="49" charset="0"/>
@@ -27942,7 +27992,7 @@
                         <m:r>
                           <a:rPr lang="en-US" sz="2400" i="1">
                             <a:solidFill>
-                              <a:srgbClr val="C00000"/>
+                              <a:schemeClr val="tx1"/>
                             </a:solidFill>
                             <a:latin typeface="Cambria Math" panose="02040503050406030204" pitchFamily="18" charset="0"/>
                             <a:cs typeface="Courier New" panose="02070309020205020404" pitchFamily="49" charset="0"/>
@@ -27954,7 +28004,7 @@
                     <m:r>
                       <a:rPr lang="en-US" sz="2400" i="1">
                         <a:solidFill>
-                          <a:srgbClr val="C00000"/>
+                          <a:schemeClr val="tx1"/>
                         </a:solidFill>
                         <a:latin typeface="Cambria Math" panose="02040503050406030204" pitchFamily="18" charset="0"/>
                         <a:cs typeface="Courier New" panose="02070309020205020404" pitchFamily="49" charset="0"/>
@@ -27971,11 +28021,22 @@
                     <a:latin typeface="Courier New" panose="02070309020205020404" pitchFamily="49" charset="0"/>
                     <a:cs typeface="Courier New" panose="02070309020205020404" pitchFamily="49" charset="0"/>
                   </a:rPr>
-                  <a:t>x = x – 1)</a:t>
+                  <a:t>x = x – 1</a:t>
                 </a:r>
+                <a14:m>
+                  <m:oMath xmlns:m="http://schemas.openxmlformats.org/officeDocument/2006/math">
+                    <m:r>
+                      <a:rPr lang="en-US" sz="2400" b="0" i="1" smtClean="0">
+                        <a:latin typeface="Cambria Math" panose="02040503050406030204" pitchFamily="18" charset="0"/>
+                        <a:cs typeface="Courier New" panose="02070309020205020404" pitchFamily="49" charset="0"/>
+                      </a:rPr>
+                      <m:t>)</m:t>
+                    </m:r>
+                  </m:oMath>
+                </a14:m>
                 <a:endParaRPr lang="en-US" sz="2400" b="1" dirty="0">
                   <a:solidFill>
-                    <a:srgbClr val="C00000"/>
+                    <a:schemeClr val="tx1"/>
                   </a:solidFill>
                   <a:latin typeface="Courier New" panose="02070309020205020404" pitchFamily="49" charset="0"/>
                   <a:cs typeface="Courier New" panose="02070309020205020404" pitchFamily="49" charset="0"/>
@@ -27985,7 +28046,7 @@
                 <a:r>
                   <a:rPr lang="en-US" sz="2400" b="1" dirty="0">
                     <a:solidFill>
-                      <a:srgbClr val="C00000"/>
+                      <a:schemeClr val="tx1"/>
                     </a:solidFill>
                     <a:latin typeface="Courier New" panose="02070309020205020404" pitchFamily="49" charset="0"/>
                     <a:cs typeface="Courier New" panose="02070309020205020404" pitchFamily="49" charset="0"/>
@@ -27995,7 +28056,7 @@
                 <a:r>
                   <a:rPr lang="en-US" sz="2400" b="1" dirty="0" err="1">
                     <a:solidFill>
-                      <a:srgbClr val="C00000"/>
+                      <a:schemeClr val="tx1"/>
                     </a:solidFill>
                     <a:latin typeface="Courier New" panose="02070309020205020404" pitchFamily="49" charset="0"/>
                     <a:cs typeface="Courier New" panose="02070309020205020404" pitchFamily="49" charset="0"/>
@@ -28004,7 +28065,7 @@
                 </a:r>
                 <a:endParaRPr lang="en-US" sz="2400" b="1" dirty="0">
                   <a:solidFill>
-                    <a:srgbClr val="C00000"/>
+                    <a:schemeClr val="tx1"/>
                   </a:solidFill>
                   <a:latin typeface="Courier New" panose="02070309020205020404" pitchFamily="49" charset="0"/>
                   <a:cs typeface="Courier New" panose="02070309020205020404" pitchFamily="49" charset="0"/>
@@ -28012,18 +28073,28 @@
               </a:p>
               <a:p>
                 <a:r>
-                  <a:rPr lang="en-US" sz="2400" b="1" dirty="0" err="1">
+                  <a:rPr lang="en-US" sz="2400" b="1" dirty="0" err="1" smtClean="0">
                     <a:solidFill>
-                      <a:srgbClr val="C00000"/>
+                      <a:schemeClr val="tx1"/>
                     </a:solidFill>
                     <a:latin typeface="Courier New" panose="02070309020205020404" pitchFamily="49" charset="0"/>
                     <a:cs typeface="Courier New" panose="02070309020205020404" pitchFamily="49" charset="0"/>
                   </a:rPr>
                   <a:t>end_label</a:t>
                 </a:r>
+                <a:r>
+                  <a:rPr lang="en-US" sz="2400" b="1" dirty="0" smtClean="0">
+                    <a:solidFill>
+                      <a:schemeClr val="tx1"/>
+                    </a:solidFill>
+                    <a:latin typeface="Courier New" panose="02070309020205020404" pitchFamily="49" charset="0"/>
+                    <a:cs typeface="Courier New" panose="02070309020205020404" pitchFamily="49" charset="0"/>
+                  </a:rPr>
+                  <a:t>:</a:t>
+                </a:r>
                 <a:endParaRPr lang="en-US" sz="2400" b="1" dirty="0">
                   <a:solidFill>
-                    <a:srgbClr val="C00000"/>
+                    <a:schemeClr val="tx1"/>
                   </a:solidFill>
                   <a:latin typeface="Courier New" panose="02070309020205020404" pitchFamily="49" charset="0"/>
                   <a:cs typeface="Courier New" panose="02070309020205020404" pitchFamily="49" charset="0"/>
@@ -28107,7 +28178,7 @@
 </file>
 
 <file path=ppt/slides/slide4.xml><?xml version="1.0" encoding="utf-8"?>
-<p:sld xmlns:a="http://schemas.openxmlformats.org/drawingml/2006/main" xmlns:r="http://schemas.openxmlformats.org/officeDocument/2006/relationships" xmlns:p="http://schemas.openxmlformats.org/presentationml/2006/main">
+<p:sld xmlns:a="http://schemas.openxmlformats.org/drawingml/2006/main" xmlns:r="http://schemas.openxmlformats.org/officeDocument/2006/relationships" xmlns:p="http://schemas.openxmlformats.org/presentationml/2006/main" showMasterSp="0">
   <p:cSld>
     <p:spTree>
       <p:nvGrpSpPr>
@@ -28745,7 +28816,651 @@
 </file>
 
 <file path=ppt/slides/slide40.xml><?xml version="1.0" encoding="utf-8"?>
-<p:sld xmlns:a="http://schemas.openxmlformats.org/drawingml/2006/main" xmlns:r="http://schemas.openxmlformats.org/officeDocument/2006/relationships" xmlns:p="http://schemas.openxmlformats.org/presentationml/2006/main">
+<p:sld xmlns:a="http://schemas.openxmlformats.org/drawingml/2006/main" xmlns:r="http://schemas.openxmlformats.org/officeDocument/2006/relationships" xmlns:p="http://schemas.openxmlformats.org/presentationml/2006/main" showMasterSp="0">
+  <p:cSld>
+    <p:spTree>
+      <p:nvGrpSpPr>
+        <p:cNvPr id="1" name=""/>
+        <p:cNvGrpSpPr/>
+        <p:nvPr/>
+      </p:nvGrpSpPr>
+      <p:grpSpPr>
+        <a:xfrm>
+          <a:off x="0" y="0"/>
+          <a:ext cx="0" cy="0"/>
+          <a:chOff x="0" y="0"/>
+          <a:chExt cx="0" cy="0"/>
+        </a:xfrm>
+      </p:grpSpPr>
+      <p:sp>
+        <p:nvSpPr>
+          <p:cNvPr id="4" name="TextBox 3"/>
+          <p:cNvSpPr txBox="1"/>
+          <p:nvPr/>
+        </p:nvSpPr>
+        <p:spPr>
+          <a:xfrm>
+            <a:off x="1011115" y="668215"/>
+            <a:ext cx="10137964" cy="830997"/>
+          </a:xfrm>
+          <a:prstGeom prst="rect">
+            <a:avLst/>
+          </a:prstGeom>
+          <a:noFill/>
+        </p:spPr>
+        <p:txBody>
+          <a:bodyPr wrap="square" rtlCol="0">
+            <a:spAutoFit/>
+          </a:bodyPr>
+          <a:lstStyle/>
+          <a:p>
+            <a:r>
+              <a:rPr lang="en-US" sz="4800" dirty="0" smtClean="0">
+                <a:latin typeface="+mj-lt"/>
+              </a:rPr>
+              <a:t>Example</a:t>
+            </a:r>
+            <a:endParaRPr lang="en-US" sz="4800" dirty="0">
+              <a:latin typeface="+mj-lt"/>
+            </a:endParaRPr>
+          </a:p>
+        </p:txBody>
+      </p:sp>
+      <mc:AlternateContent xmlns:mc="http://schemas.openxmlformats.org/markup-compatibility/2006">
+        <mc:Choice xmlns:a14="http://schemas.microsoft.com/office/drawing/2010/main" Requires="a14">
+          <p:sp>
+            <p:nvSpPr>
+              <p:cNvPr id="7" name="TextBox 6"/>
+              <p:cNvSpPr txBox="1"/>
+              <p:nvPr/>
+            </p:nvSpPr>
+            <p:spPr>
+              <a:xfrm>
+                <a:off x="6231474" y="1075567"/>
+                <a:ext cx="4728755" cy="4909036"/>
+              </a:xfrm>
+              <a:prstGeom prst="rect">
+                <a:avLst/>
+              </a:prstGeom>
+              <a:noFill/>
+            </p:spPr>
+            <p:txBody>
+              <a:bodyPr wrap="square" rtlCol="0">
+                <a:spAutoFit/>
+              </a:bodyPr>
+              <a:lstStyle/>
+              <a:p>
+                <a:r>
+                  <a:rPr lang="en-US" sz="2100" b="1" dirty="0" smtClean="0">
+                    <a:latin typeface="Courier New" panose="02070309020205020404" pitchFamily="49" charset="0"/>
+                    <a:cs typeface="Courier New" panose="02070309020205020404" pitchFamily="49" charset="0"/>
+                  </a:rPr>
+                  <a:t>t1 = 42</a:t>
+                </a:r>
+              </a:p>
+              <a:p>
+                <a:r>
+                  <a:rPr lang="en-US" sz="2100" b="1" dirty="0">
+                    <a:latin typeface="Courier New" panose="02070309020205020404" pitchFamily="49" charset="0"/>
+                    <a:cs typeface="Courier New" panose="02070309020205020404" pitchFamily="49" charset="0"/>
+                  </a:rPr>
+                  <a:t>x = t1</a:t>
+                </a:r>
+              </a:p>
+              <a:p>
+                <a:r>
+                  <a:rPr lang="en-US" sz="2100" b="1" dirty="0" smtClean="0">
+                    <a:latin typeface="Courier New" panose="02070309020205020404" pitchFamily="49" charset="0"/>
+                    <a:cs typeface="Courier New" panose="02070309020205020404" pitchFamily="49" charset="0"/>
+                  </a:rPr>
+                  <a:t>cond_label</a:t>
+                </a:r>
+                <a:r>
+                  <a:rPr lang="en-US" sz="2100" b="1" dirty="0">
+                    <a:latin typeface="Courier New" panose="02070309020205020404" pitchFamily="49" charset="0"/>
+                    <a:cs typeface="Courier New" panose="02070309020205020404" pitchFamily="49" charset="0"/>
+                  </a:rPr>
+                  <a:t>:</a:t>
+                </a:r>
+              </a:p>
+              <a:p>
+                <a:r>
+                  <a:rPr lang="en-US" sz="2100" b="1" dirty="0">
+                    <a:latin typeface="Courier New" panose="02070309020205020404" pitchFamily="49" charset="0"/>
+                    <a:cs typeface="Courier New" panose="02070309020205020404" pitchFamily="49" charset="0"/>
+                  </a:rPr>
+                  <a:t>t2 = </a:t>
+                </a:r>
+                <a:r>
+                  <a:rPr lang="en-US" sz="2100" b="1" dirty="0" smtClean="0">
+                    <a:latin typeface="Courier New" panose="02070309020205020404" pitchFamily="49" charset="0"/>
+                    <a:cs typeface="Courier New" panose="02070309020205020404" pitchFamily="49" charset="0"/>
+                  </a:rPr>
+                  <a:t>x</a:t>
+                </a:r>
+              </a:p>
+              <a:p>
+                <a:r>
+                  <a:rPr lang="en-US" sz="2100" b="1" dirty="0">
+                    <a:latin typeface="Courier New" panose="02070309020205020404" pitchFamily="49" charset="0"/>
+                    <a:cs typeface="Courier New" panose="02070309020205020404" pitchFamily="49" charset="0"/>
+                  </a:rPr>
+                  <a:t>t</a:t>
+                </a:r>
+                <a:r>
+                  <a:rPr lang="en-US" sz="2100" b="1" dirty="0" smtClean="0">
+                    <a:latin typeface="Courier New" panose="02070309020205020404" pitchFamily="49" charset="0"/>
+                    <a:cs typeface="Courier New" panose="02070309020205020404" pitchFamily="49" charset="0"/>
+                  </a:rPr>
+                  <a:t>3 = 0</a:t>
+                </a:r>
+              </a:p>
+              <a:p>
+                <a:r>
+                  <a:rPr lang="en-US" sz="2100" b="1" dirty="0">
+                    <a:latin typeface="Courier New" panose="02070309020205020404" pitchFamily="49" charset="0"/>
+                    <a:cs typeface="Courier New" panose="02070309020205020404" pitchFamily="49" charset="0"/>
+                  </a:rPr>
+                  <a:t>t</a:t>
+                </a:r>
+                <a:r>
+                  <a:rPr lang="en-US" sz="2100" b="1" dirty="0" smtClean="0">
+                    <a:latin typeface="Courier New" panose="02070309020205020404" pitchFamily="49" charset="0"/>
+                    <a:cs typeface="Courier New" panose="02070309020205020404" pitchFamily="49" charset="0"/>
+                  </a:rPr>
+                  <a:t>4 = 0</a:t>
+                </a:r>
+              </a:p>
+              <a:p>
+                <a:r>
+                  <a:rPr lang="en-US" sz="2100" b="1" dirty="0">
+                    <a:latin typeface="Courier New" panose="02070309020205020404" pitchFamily="49" charset="0"/>
+                    <a:cs typeface="Courier New" panose="02070309020205020404" pitchFamily="49" charset="0"/>
+                  </a:rPr>
+                  <a:t>c</a:t>
+                </a:r>
+                <a:r>
+                  <a:rPr lang="en-US" sz="2100" b="1" dirty="0" smtClean="0">
+                    <a:latin typeface="Courier New" panose="02070309020205020404" pitchFamily="49" charset="0"/>
+                    <a:cs typeface="Courier New" panose="02070309020205020404" pitchFamily="49" charset="0"/>
+                  </a:rPr>
+                  <a:t>ompare t2, t3</a:t>
+                </a:r>
+              </a:p>
+              <a:p>
+                <a:r>
+                  <a:rPr lang="en-US" sz="2100" b="1" dirty="0" err="1">
+                    <a:latin typeface="Courier New" panose="02070309020205020404" pitchFamily="49" charset="0"/>
+                    <a:cs typeface="Courier New" panose="02070309020205020404" pitchFamily="49" charset="0"/>
+                  </a:rPr>
+                  <a:t>b</a:t>
+                </a:r>
+                <a:r>
+                  <a:rPr lang="en-US" sz="2100" b="1" dirty="0" err="1" smtClean="0">
+                    <a:latin typeface="Courier New" panose="02070309020205020404" pitchFamily="49" charset="0"/>
+                    <a:cs typeface="Courier New" panose="02070309020205020404" pitchFamily="49" charset="0"/>
+                  </a:rPr>
+                  <a:t>ranch_gt</a:t>
+                </a:r>
+                <a:r>
+                  <a:rPr lang="en-US" sz="2100" b="1" dirty="0" smtClean="0">
+                    <a:latin typeface="Courier New" panose="02070309020205020404" pitchFamily="49" charset="0"/>
+                    <a:cs typeface="Courier New" panose="02070309020205020404" pitchFamily="49" charset="0"/>
+                  </a:rPr>
+                  <a:t> </a:t>
+                </a:r>
+                <a:r>
+                  <a:rPr lang="en-US" sz="2100" b="1" dirty="0" err="1" smtClean="0">
+                    <a:latin typeface="Courier New" panose="02070309020205020404" pitchFamily="49" charset="0"/>
+                    <a:cs typeface="Courier New" panose="02070309020205020404" pitchFamily="49" charset="0"/>
+                  </a:rPr>
+                  <a:t>cmp_label</a:t>
+                </a:r>
+                <a:r>
+                  <a:rPr lang="en-US" sz="2100" b="1" dirty="0" smtClean="0">
+                    <a:latin typeface="Courier New" panose="02070309020205020404" pitchFamily="49" charset="0"/>
+                    <a:cs typeface="Courier New" panose="02070309020205020404" pitchFamily="49" charset="0"/>
+                  </a:rPr>
+                  <a:t>:</a:t>
+                </a:r>
+              </a:p>
+              <a:p>
+                <a:r>
+                  <a:rPr lang="en-US" sz="2100" b="1" dirty="0">
+                    <a:latin typeface="Courier New" panose="02070309020205020404" pitchFamily="49" charset="0"/>
+                    <a:cs typeface="Courier New" panose="02070309020205020404" pitchFamily="49" charset="0"/>
+                  </a:rPr>
+                  <a:t>t</a:t>
+                </a:r>
+                <a:r>
+                  <a:rPr lang="en-US" sz="2100" b="1" dirty="0" smtClean="0">
+                    <a:latin typeface="Courier New" panose="02070309020205020404" pitchFamily="49" charset="0"/>
+                    <a:cs typeface="Courier New" panose="02070309020205020404" pitchFamily="49" charset="0"/>
+                  </a:rPr>
+                  <a:t>4 = 1</a:t>
+                </a:r>
+              </a:p>
+              <a:p>
+                <a:r>
+                  <a:rPr lang="en-US" sz="2100" b="1" dirty="0" err="1" smtClean="0">
+                    <a:latin typeface="Courier New" panose="02070309020205020404" pitchFamily="49" charset="0"/>
+                    <a:cs typeface="Courier New" panose="02070309020205020404" pitchFamily="49" charset="0"/>
+                  </a:rPr>
+                  <a:t>cmp_label</a:t>
+                </a:r>
+                <a:r>
+                  <a:rPr lang="en-US" sz="2100" b="1" dirty="0" smtClean="0">
+                    <a:latin typeface="Courier New" panose="02070309020205020404" pitchFamily="49" charset="0"/>
+                    <a:cs typeface="Courier New" panose="02070309020205020404" pitchFamily="49" charset="0"/>
+                  </a:rPr>
+                  <a:t>:</a:t>
+                </a:r>
+                <a:endParaRPr lang="en-US" sz="2100" b="1" dirty="0">
+                  <a:latin typeface="Courier New" panose="02070309020205020404" pitchFamily="49" charset="0"/>
+                  <a:cs typeface="Courier New" panose="02070309020205020404" pitchFamily="49" charset="0"/>
+                </a:endParaRPr>
+              </a:p>
+              <a:p>
+                <a:r>
+                  <a:rPr lang="en-US" sz="2100" b="1" dirty="0" smtClean="0">
+                    <a:latin typeface="Courier New" panose="02070309020205020404" pitchFamily="49" charset="0"/>
+                    <a:cs typeface="Courier New" panose="02070309020205020404" pitchFamily="49" charset="0"/>
+                  </a:rPr>
+                  <a:t>compare </a:t>
+                </a:r>
+                <a14:m>
+                  <m:oMath xmlns:m="http://schemas.openxmlformats.org/officeDocument/2006/math">
+                    <m:sSub>
+                      <m:sSubPr>
+                        <m:ctrlPr>
+                          <a:rPr lang="en-US" sz="2100" i="1">
+                            <a:latin typeface="Cambria Math" panose="02040503050406030204" pitchFamily="18" charset="0"/>
+                            <a:cs typeface="Courier New" panose="02070309020205020404" pitchFamily="49" charset="0"/>
+                          </a:rPr>
+                        </m:ctrlPr>
+                      </m:sSubPr>
+                      <m:e>
+                        <m:r>
+                          <a:rPr lang="en-US" sz="2100" i="1">
+                            <a:latin typeface="Cambria Math" panose="02040503050406030204" pitchFamily="18" charset="0"/>
+                            <a:cs typeface="Courier New" panose="02070309020205020404" pitchFamily="49" charset="0"/>
+                          </a:rPr>
+                          <m:t>𝑇</m:t>
+                        </m:r>
+                      </m:e>
+                      <m:sub>
+                        <m:r>
+                          <a:rPr lang="en-US" sz="2100" i="1">
+                            <a:latin typeface="Cambria Math" panose="02040503050406030204" pitchFamily="18" charset="0"/>
+                            <a:cs typeface="Courier New" panose="02070309020205020404" pitchFamily="49" charset="0"/>
+                          </a:rPr>
+                          <m:t>𝑟</m:t>
+                        </m:r>
+                      </m:sub>
+                    </m:sSub>
+                    <m:r>
+                      <a:rPr lang="en-US" sz="2100" i="1">
+                        <a:latin typeface="Cambria Math" panose="02040503050406030204" pitchFamily="18" charset="0"/>
+                        <a:cs typeface="Courier New" panose="02070309020205020404" pitchFamily="49" charset="0"/>
+                      </a:rPr>
+                      <m:t>(</m:t>
+                    </m:r>
+                  </m:oMath>
+                </a14:m>
+                <a:r>
+                  <a:rPr lang="en-US" sz="2100" b="1" dirty="0">
+                    <a:solidFill>
+                      <a:srgbClr val="C00000"/>
+                    </a:solidFill>
+                    <a:latin typeface="Courier New" panose="02070309020205020404" pitchFamily="49" charset="0"/>
+                    <a:cs typeface="Courier New" panose="02070309020205020404" pitchFamily="49" charset="0"/>
+                  </a:rPr>
+                  <a:t>x &gt; 0</a:t>
+                </a:r>
+                <a14:m>
+                  <m:oMath xmlns:m="http://schemas.openxmlformats.org/officeDocument/2006/math">
+                    <m:r>
+                      <a:rPr lang="en-US" sz="2100" i="1">
+                        <a:latin typeface="Cambria Math" panose="02040503050406030204" pitchFamily="18" charset="0"/>
+                        <a:cs typeface="Courier New" panose="02070309020205020404" pitchFamily="49" charset="0"/>
+                      </a:rPr>
+                      <m:t>)</m:t>
+                    </m:r>
+                  </m:oMath>
+                </a14:m>
+                <a:r>
+                  <a:rPr lang="en-US" sz="2100" b="1" dirty="0">
+                    <a:latin typeface="Courier New" panose="02070309020205020404" pitchFamily="49" charset="0"/>
+                    <a:cs typeface="Courier New" panose="02070309020205020404" pitchFamily="49" charset="0"/>
+                  </a:rPr>
+                  <a:t>, </a:t>
+                </a:r>
+                <a:r>
+                  <a:rPr lang="en-US" sz="2100" b="1" dirty="0" smtClean="0">
+                    <a:latin typeface="Courier New" panose="02070309020205020404" pitchFamily="49" charset="0"/>
+                    <a:cs typeface="Courier New" panose="02070309020205020404" pitchFamily="49" charset="0"/>
+                  </a:rPr>
+                  <a:t>0</a:t>
+                </a:r>
+                <a:endParaRPr lang="en-US" sz="2100" b="1" dirty="0">
+                  <a:latin typeface="Courier New" panose="02070309020205020404" pitchFamily="49" charset="0"/>
+                  <a:cs typeface="Courier New" panose="02070309020205020404" pitchFamily="49" charset="0"/>
+                </a:endParaRPr>
+              </a:p>
+              <a:p>
+                <a:r>
+                  <a:rPr lang="en-US" sz="2100" b="1" dirty="0" err="1" smtClean="0">
+                    <a:latin typeface="Courier New" panose="02070309020205020404" pitchFamily="49" charset="0"/>
+                    <a:cs typeface="Courier New" panose="02070309020205020404" pitchFamily="49" charset="0"/>
+                  </a:rPr>
+                  <a:t>branch_eq</a:t>
+                </a:r>
+                <a:r>
+                  <a:rPr lang="en-US" sz="2100" b="1" dirty="0" smtClean="0">
+                    <a:latin typeface="Courier New" panose="02070309020205020404" pitchFamily="49" charset="0"/>
+                    <a:cs typeface="Courier New" panose="02070309020205020404" pitchFamily="49" charset="0"/>
+                  </a:rPr>
+                  <a:t> </a:t>
+                </a:r>
+                <a:r>
+                  <a:rPr lang="en-US" sz="2100" b="1" dirty="0" err="1" smtClean="0">
+                    <a:latin typeface="Courier New" panose="02070309020205020404" pitchFamily="49" charset="0"/>
+                    <a:cs typeface="Courier New" panose="02070309020205020404" pitchFamily="49" charset="0"/>
+                  </a:rPr>
+                  <a:t>end_label</a:t>
+                </a:r>
+                <a:endParaRPr lang="en-US" sz="2100" b="1" dirty="0">
+                  <a:latin typeface="Courier New" panose="02070309020205020404" pitchFamily="49" charset="0"/>
+                  <a:cs typeface="Courier New" panose="02070309020205020404" pitchFamily="49" charset="0"/>
+                </a:endParaRPr>
+              </a:p>
+              <a:p>
+                <a14:m>
+                  <m:oMath xmlns:m="http://schemas.openxmlformats.org/officeDocument/2006/math">
+                    <m:sSub>
+                      <m:sSubPr>
+                        <m:ctrlPr>
+                          <a:rPr lang="en-US" sz="2100" i="1" smtClean="0">
+                            <a:latin typeface="Cambria Math" panose="02040503050406030204" pitchFamily="18" charset="0"/>
+                            <a:cs typeface="Courier New" panose="02070309020205020404" pitchFamily="49" charset="0"/>
+                          </a:rPr>
+                        </m:ctrlPr>
+                      </m:sSubPr>
+                      <m:e>
+                        <m:r>
+                          <a:rPr lang="en-US" sz="2100" i="1">
+                            <a:latin typeface="Cambria Math" panose="02040503050406030204" pitchFamily="18" charset="0"/>
+                            <a:cs typeface="Courier New" panose="02070309020205020404" pitchFamily="49" charset="0"/>
+                          </a:rPr>
+                          <m:t>𝑇</m:t>
+                        </m:r>
+                      </m:e>
+                      <m:sub>
+                        <m:r>
+                          <a:rPr lang="en-US" sz="2100" i="1">
+                            <a:latin typeface="Cambria Math" panose="02040503050406030204" pitchFamily="18" charset="0"/>
+                            <a:cs typeface="Courier New" panose="02070309020205020404" pitchFamily="49" charset="0"/>
+                          </a:rPr>
+                          <m:t>𝑐</m:t>
+                        </m:r>
+                      </m:sub>
+                    </m:sSub>
+                    <m:r>
+                      <a:rPr lang="en-US" sz="2100" i="1">
+                        <a:latin typeface="Cambria Math" panose="02040503050406030204" pitchFamily="18" charset="0"/>
+                        <a:cs typeface="Courier New" panose="02070309020205020404" pitchFamily="49" charset="0"/>
+                      </a:rPr>
+                      <m:t>(</m:t>
+                    </m:r>
+                  </m:oMath>
+                </a14:m>
+                <a:r>
+                  <a:rPr lang="en-US" sz="2100" b="1" dirty="0" smtClean="0">
+                    <a:solidFill>
+                      <a:srgbClr val="C00000"/>
+                    </a:solidFill>
+                    <a:latin typeface="Courier New" panose="02070309020205020404" pitchFamily="49" charset="0"/>
+                    <a:cs typeface="Courier New" panose="02070309020205020404" pitchFamily="49" charset="0"/>
+                  </a:rPr>
+                  <a:t>x = x – 1</a:t>
+                </a:r>
+                <a14:m>
+                  <m:oMath xmlns:m="http://schemas.openxmlformats.org/officeDocument/2006/math">
+                    <m:r>
+                      <a:rPr lang="en-US" sz="2100" i="1">
+                        <a:latin typeface="Cambria Math" panose="02040503050406030204" pitchFamily="18" charset="0"/>
+                        <a:cs typeface="Courier New" panose="02070309020205020404" pitchFamily="49" charset="0"/>
+                      </a:rPr>
+                      <m:t>)</m:t>
+                    </m:r>
+                  </m:oMath>
+                </a14:m>
+                <a:endParaRPr lang="en-US" sz="2100" b="1" dirty="0">
+                  <a:latin typeface="Courier New" panose="02070309020205020404" pitchFamily="49" charset="0"/>
+                  <a:cs typeface="Courier New" panose="02070309020205020404" pitchFamily="49" charset="0"/>
+                </a:endParaRPr>
+              </a:p>
+              <a:p>
+                <a:r>
+                  <a:rPr lang="en-US" sz="2100" b="1" dirty="0" smtClean="0">
+                    <a:latin typeface="Courier New" panose="02070309020205020404" pitchFamily="49" charset="0"/>
+                    <a:cs typeface="Courier New" panose="02070309020205020404" pitchFamily="49" charset="0"/>
+                  </a:rPr>
+                  <a:t>branch </a:t>
+                </a:r>
+                <a:r>
+                  <a:rPr lang="en-US" sz="2100" b="1" dirty="0" err="1">
+                    <a:latin typeface="Courier New" panose="02070309020205020404" pitchFamily="49" charset="0"/>
+                    <a:cs typeface="Courier New" panose="02070309020205020404" pitchFamily="49" charset="0"/>
+                  </a:rPr>
+                  <a:t>cond_label</a:t>
+                </a:r>
+                <a:endParaRPr lang="en-US" sz="2100" b="1" dirty="0">
+                  <a:latin typeface="Courier New" panose="02070309020205020404" pitchFamily="49" charset="0"/>
+                  <a:cs typeface="Courier New" panose="02070309020205020404" pitchFamily="49" charset="0"/>
+                </a:endParaRPr>
+              </a:p>
+              <a:p>
+                <a:r>
+                  <a:rPr lang="en-US" sz="2100" b="1" dirty="0" err="1" smtClean="0">
+                    <a:latin typeface="Courier New" panose="02070309020205020404" pitchFamily="49" charset="0"/>
+                    <a:cs typeface="Courier New" panose="02070309020205020404" pitchFamily="49" charset="0"/>
+                  </a:rPr>
+                  <a:t>end_label</a:t>
+                </a:r>
+                <a:r>
+                  <a:rPr lang="en-US" sz="2100" b="1" dirty="0" smtClean="0">
+                    <a:latin typeface="Courier New" panose="02070309020205020404" pitchFamily="49" charset="0"/>
+                    <a:cs typeface="Courier New" panose="02070309020205020404" pitchFamily="49" charset="0"/>
+                  </a:rPr>
+                  <a:t>:</a:t>
+                </a:r>
+                <a:endParaRPr lang="en-US" sz="2100" b="1" dirty="0">
+                  <a:latin typeface="Courier New" panose="02070309020205020404" pitchFamily="49" charset="0"/>
+                  <a:cs typeface="Courier New" panose="02070309020205020404" pitchFamily="49" charset="0"/>
+                </a:endParaRPr>
+              </a:p>
+            </p:txBody>
+          </p:sp>
+        </mc:Choice>
+        <mc:Fallback>
+          <p:sp>
+            <p:nvSpPr>
+              <p:cNvPr id="7" name="TextBox 6"/>
+              <p:cNvSpPr txBox="1">
+                <a:spLocks noRot="1" noChangeAspect="1" noMove="1" noResize="1" noEditPoints="1" noAdjustHandles="1" noChangeArrowheads="1" noChangeShapeType="1" noTextEdit="1"/>
+              </p:cNvSpPr>
+              <p:nvPr/>
+            </p:nvSpPr>
+            <p:spPr>
+              <a:xfrm>
+                <a:off x="6231474" y="1075567"/>
+                <a:ext cx="4728755" cy="4909036"/>
+              </a:xfrm>
+              <a:prstGeom prst="rect">
+                <a:avLst/>
+              </a:prstGeom>
+              <a:blipFill>
+                <a:blip r:embed="rId3"/>
+                <a:stretch>
+                  <a:fillRect l="-1546" t="-744" b="-2109"/>
+                </a:stretch>
+              </a:blipFill>
+            </p:spPr>
+            <p:txBody>
+              <a:bodyPr/>
+              <a:lstStyle/>
+              <a:p>
+                <a:r>
+                  <a:rPr lang="en-US">
+                    <a:noFill/>
+                  </a:rPr>
+                  <a:t> </a:t>
+                </a:r>
+              </a:p>
+            </p:txBody>
+          </p:sp>
+        </mc:Fallback>
+      </mc:AlternateContent>
+      <p:sp>
+        <p:nvSpPr>
+          <p:cNvPr id="8" name="Rounded Rectangle 7"/>
+          <p:cNvSpPr/>
+          <p:nvPr/>
+        </p:nvSpPr>
+        <p:spPr>
+          <a:xfrm>
+            <a:off x="1011115" y="1658435"/>
+            <a:ext cx="3317537" cy="2322704"/>
+          </a:xfrm>
+          <a:prstGeom prst="roundRect">
+            <a:avLst/>
+          </a:prstGeom>
+          <a:solidFill>
+            <a:schemeClr val="accent1">
+              <a:lumMod val="20000"/>
+              <a:lumOff val="80000"/>
+            </a:schemeClr>
+          </a:solidFill>
+        </p:spPr>
+        <p:style>
+          <a:lnRef idx="2">
+            <a:schemeClr val="accent1">
+              <a:shade val="50000"/>
+            </a:schemeClr>
+          </a:lnRef>
+          <a:fillRef idx="1">
+            <a:schemeClr val="accent1"/>
+          </a:fillRef>
+          <a:effectRef idx="0">
+            <a:schemeClr val="accent1"/>
+          </a:effectRef>
+          <a:fontRef idx="minor">
+            <a:schemeClr val="lt1"/>
+          </a:fontRef>
+        </p:style>
+        <p:txBody>
+          <a:bodyPr rtlCol="0" anchor="ctr"/>
+          <a:lstStyle/>
+          <a:p>
+            <a:r>
+              <a:rPr lang="en-US" sz="2400" b="1" dirty="0" smtClean="0">
+                <a:solidFill>
+                  <a:schemeClr val="tx1"/>
+                </a:solidFill>
+                <a:latin typeface="Courier New" panose="02070309020205020404" pitchFamily="49" charset="0"/>
+                <a:cs typeface="Courier New" panose="02070309020205020404" pitchFamily="49" charset="0"/>
+              </a:rPr>
+              <a:t>x = 42;</a:t>
+            </a:r>
+          </a:p>
+          <a:p>
+            <a:r>
+              <a:rPr lang="en-US" sz="2400" b="1" dirty="0">
+                <a:solidFill>
+                  <a:schemeClr val="tx1"/>
+                </a:solidFill>
+                <a:latin typeface="Courier New" panose="02070309020205020404" pitchFamily="49" charset="0"/>
+                <a:cs typeface="Courier New" panose="02070309020205020404" pitchFamily="49" charset="0"/>
+              </a:rPr>
+              <a:t>w</a:t>
+            </a:r>
+            <a:r>
+              <a:rPr lang="en-US" sz="2400" b="1" dirty="0" smtClean="0">
+                <a:solidFill>
+                  <a:schemeClr val="tx1"/>
+                </a:solidFill>
+                <a:latin typeface="Courier New" panose="02070309020205020404" pitchFamily="49" charset="0"/>
+                <a:cs typeface="Courier New" panose="02070309020205020404" pitchFamily="49" charset="0"/>
+              </a:rPr>
+              <a:t>hile (x &gt; 0) {</a:t>
+            </a:r>
+          </a:p>
+          <a:p>
+            <a:r>
+              <a:rPr lang="en-US" sz="2400" b="1" dirty="0">
+                <a:solidFill>
+                  <a:schemeClr val="tx1"/>
+                </a:solidFill>
+                <a:latin typeface="Courier New" panose="02070309020205020404" pitchFamily="49" charset="0"/>
+                <a:cs typeface="Courier New" panose="02070309020205020404" pitchFamily="49" charset="0"/>
+              </a:rPr>
+              <a:t> </a:t>
+            </a:r>
+            <a:r>
+              <a:rPr lang="en-US" sz="2400" b="1" dirty="0" smtClean="0">
+                <a:solidFill>
+                  <a:schemeClr val="tx1"/>
+                </a:solidFill>
+                <a:latin typeface="Courier New" panose="02070309020205020404" pitchFamily="49" charset="0"/>
+                <a:cs typeface="Courier New" panose="02070309020205020404" pitchFamily="49" charset="0"/>
+              </a:rPr>
+              <a:t> x = x - 1;</a:t>
+            </a:r>
+          </a:p>
+          <a:p>
+            <a:r>
+              <a:rPr lang="en-US" sz="2400" b="1" dirty="0" smtClean="0">
+                <a:solidFill>
+                  <a:schemeClr val="tx1"/>
+                </a:solidFill>
+                <a:latin typeface="Courier New" panose="02070309020205020404" pitchFamily="49" charset="0"/>
+                <a:cs typeface="Courier New" panose="02070309020205020404" pitchFamily="49" charset="0"/>
+              </a:rPr>
+              <a:t>}</a:t>
+            </a:r>
+            <a:endParaRPr lang="en-US" sz="2400" b="1" dirty="0">
+              <a:solidFill>
+                <a:schemeClr val="tx1"/>
+              </a:solidFill>
+              <a:latin typeface="Courier New" panose="02070309020205020404" pitchFamily="49" charset="0"/>
+              <a:cs typeface="Courier New" panose="02070309020205020404" pitchFamily="49" charset="0"/>
+            </a:endParaRPr>
+          </a:p>
+        </p:txBody>
+      </p:sp>
+    </p:spTree>
+    <p:extLst>
+      <p:ext uri="{BB962C8B-B14F-4D97-AF65-F5344CB8AC3E}">
+        <p14:creationId xmlns:p14="http://schemas.microsoft.com/office/powerpoint/2010/main" val="1082586957"/>
+      </p:ext>
+    </p:extLst>
+  </p:cSld>
+  <p:clrMapOvr>
+    <a:masterClrMapping/>
+  </p:clrMapOvr>
+  <p:timing>
+    <p:tnLst>
+      <p:par>
+        <p:cTn id="1" dur="indefinite" restart="never" nodeType="tmRoot"/>
+      </p:par>
+    </p:tnLst>
+  </p:timing>
+</p:sld>
+</file>
+
+<file path=ppt/slides/slide41.xml><?xml version="1.0" encoding="utf-8"?>
+<p:sld xmlns:a="http://schemas.openxmlformats.org/drawingml/2006/main" xmlns:r="http://schemas.openxmlformats.org/officeDocument/2006/relationships" xmlns:p="http://schemas.openxmlformats.org/presentationml/2006/main" showMasterSp="0">
   <p:cSld>
     <p:spTree>
       <p:nvGrpSpPr>
@@ -28855,9 +29570,6 @@
               <a:p>
                 <a:r>
                   <a:rPr lang="en-US" sz="2100" b="1" dirty="0">
-                    <a:solidFill>
-                      <a:srgbClr val="C00000"/>
-                    </a:solidFill>
                     <a:latin typeface="Courier New" panose="02070309020205020404" pitchFamily="49" charset="0"/>
                     <a:cs typeface="Courier New" panose="02070309020205020404" pitchFamily="49" charset="0"/>
                   </a:rPr>
@@ -28865,9 +29577,6 @@
                 </a:r>
                 <a:r>
                   <a:rPr lang="en-US" sz="2100" b="1" dirty="0" smtClean="0">
-                    <a:solidFill>
-                      <a:srgbClr val="C00000"/>
-                    </a:solidFill>
                     <a:latin typeface="Courier New" panose="02070309020205020404" pitchFamily="49" charset="0"/>
                     <a:cs typeface="Courier New" panose="02070309020205020404" pitchFamily="49" charset="0"/>
                   </a:rPr>
@@ -28877,9 +29586,6 @@
               <a:p>
                 <a:r>
                   <a:rPr lang="en-US" sz="2100" b="1" dirty="0">
-                    <a:solidFill>
-                      <a:srgbClr val="C00000"/>
-                    </a:solidFill>
                     <a:latin typeface="Courier New" panose="02070309020205020404" pitchFamily="49" charset="0"/>
                     <a:cs typeface="Courier New" panose="02070309020205020404" pitchFamily="49" charset="0"/>
                   </a:rPr>
@@ -28887,9 +29593,6 @@
                 </a:r>
                 <a:r>
                   <a:rPr lang="en-US" sz="2100" b="1" dirty="0" smtClean="0">
-                    <a:solidFill>
-                      <a:srgbClr val="C00000"/>
-                    </a:solidFill>
                     <a:latin typeface="Courier New" panose="02070309020205020404" pitchFamily="49" charset="0"/>
                     <a:cs typeface="Courier New" panose="02070309020205020404" pitchFamily="49" charset="0"/>
                   </a:rPr>
@@ -28899,9 +29602,6 @@
               <a:p>
                 <a:r>
                   <a:rPr lang="en-US" sz="2100" b="1" dirty="0">
-                    <a:solidFill>
-                      <a:srgbClr val="C00000"/>
-                    </a:solidFill>
                     <a:latin typeface="Courier New" panose="02070309020205020404" pitchFamily="49" charset="0"/>
                     <a:cs typeface="Courier New" panose="02070309020205020404" pitchFamily="49" charset="0"/>
                   </a:rPr>
@@ -28909,9 +29609,6 @@
                 </a:r>
                 <a:r>
                   <a:rPr lang="en-US" sz="2100" b="1" dirty="0" smtClean="0">
-                    <a:solidFill>
-                      <a:srgbClr val="C00000"/>
-                    </a:solidFill>
                     <a:latin typeface="Courier New" panose="02070309020205020404" pitchFamily="49" charset="0"/>
                     <a:cs typeface="Courier New" panose="02070309020205020404" pitchFamily="49" charset="0"/>
                   </a:rPr>
@@ -28921,9 +29618,6 @@
               <a:p>
                 <a:r>
                   <a:rPr lang="en-US" sz="2100" b="1" dirty="0">
-                    <a:solidFill>
-                      <a:srgbClr val="C00000"/>
-                    </a:solidFill>
                     <a:latin typeface="Courier New" panose="02070309020205020404" pitchFamily="49" charset="0"/>
                     <a:cs typeface="Courier New" panose="02070309020205020404" pitchFamily="49" charset="0"/>
                   </a:rPr>
@@ -28931,9 +29625,6 @@
                 </a:r>
                 <a:r>
                   <a:rPr lang="en-US" sz="2100" b="1" dirty="0" smtClean="0">
-                    <a:solidFill>
-                      <a:srgbClr val="C00000"/>
-                    </a:solidFill>
                     <a:latin typeface="Courier New" panose="02070309020205020404" pitchFamily="49" charset="0"/>
                     <a:cs typeface="Courier New" panose="02070309020205020404" pitchFamily="49" charset="0"/>
                   </a:rPr>
@@ -28943,9 +29634,6 @@
               <a:p>
                 <a:r>
                   <a:rPr lang="en-US" sz="2100" b="1" dirty="0" err="1">
-                    <a:solidFill>
-                      <a:srgbClr val="C00000"/>
-                    </a:solidFill>
                     <a:latin typeface="Courier New" panose="02070309020205020404" pitchFamily="49" charset="0"/>
                     <a:cs typeface="Courier New" panose="02070309020205020404" pitchFamily="49" charset="0"/>
                   </a:rPr>
@@ -28953,9 +29641,6 @@
                 </a:r>
                 <a:r>
                   <a:rPr lang="en-US" sz="2100" b="1" dirty="0" err="1" smtClean="0">
-                    <a:solidFill>
-                      <a:srgbClr val="C00000"/>
-                    </a:solidFill>
                     <a:latin typeface="Courier New" panose="02070309020205020404" pitchFamily="49" charset="0"/>
                     <a:cs typeface="Courier New" panose="02070309020205020404" pitchFamily="49" charset="0"/>
                   </a:rPr>
@@ -28963,9 +29648,6 @@
                 </a:r>
                 <a:r>
                   <a:rPr lang="en-US" sz="2100" b="1" dirty="0" smtClean="0">
-                    <a:solidFill>
-                      <a:srgbClr val="C00000"/>
-                    </a:solidFill>
                     <a:latin typeface="Courier New" panose="02070309020205020404" pitchFamily="49" charset="0"/>
                     <a:cs typeface="Courier New" panose="02070309020205020404" pitchFamily="49" charset="0"/>
                   </a:rPr>
@@ -28973,9 +29655,6 @@
                 </a:r>
                 <a:r>
                   <a:rPr lang="en-US" sz="2100" b="1" dirty="0" err="1" smtClean="0">
-                    <a:solidFill>
-                      <a:srgbClr val="C00000"/>
-                    </a:solidFill>
                     <a:latin typeface="Courier New" panose="02070309020205020404" pitchFamily="49" charset="0"/>
                     <a:cs typeface="Courier New" panose="02070309020205020404" pitchFamily="49" charset="0"/>
                   </a:rPr>
@@ -28983,9 +29662,6 @@
                 </a:r>
                 <a:r>
                   <a:rPr lang="en-US" sz="2100" b="1" dirty="0" smtClean="0">
-                    <a:solidFill>
-                      <a:srgbClr val="C00000"/>
-                    </a:solidFill>
                     <a:latin typeface="Courier New" panose="02070309020205020404" pitchFamily="49" charset="0"/>
                     <a:cs typeface="Courier New" panose="02070309020205020404" pitchFamily="49" charset="0"/>
                   </a:rPr>
@@ -28995,9 +29671,6 @@
               <a:p>
                 <a:r>
                   <a:rPr lang="en-US" sz="2100" b="1" dirty="0">
-                    <a:solidFill>
-                      <a:srgbClr val="C00000"/>
-                    </a:solidFill>
                     <a:latin typeface="Courier New" panose="02070309020205020404" pitchFamily="49" charset="0"/>
                     <a:cs typeface="Courier New" panose="02070309020205020404" pitchFamily="49" charset="0"/>
                   </a:rPr>
@@ -29005,9 +29678,6 @@
                 </a:r>
                 <a:r>
                   <a:rPr lang="en-US" sz="2100" b="1" dirty="0" smtClean="0">
-                    <a:solidFill>
-                      <a:srgbClr val="C00000"/>
-                    </a:solidFill>
                     <a:latin typeface="Courier New" panose="02070309020205020404" pitchFamily="49" charset="0"/>
                     <a:cs typeface="Courier New" panose="02070309020205020404" pitchFamily="49" charset="0"/>
                   </a:rPr>
@@ -29017,38 +29687,19 @@
               <a:p>
                 <a:r>
                   <a:rPr lang="en-US" sz="2100" b="1" dirty="0" err="1" smtClean="0">
-                    <a:solidFill>
-                      <a:srgbClr val="C00000"/>
-                    </a:solidFill>
                     <a:latin typeface="Courier New" panose="02070309020205020404" pitchFamily="49" charset="0"/>
                     <a:cs typeface="Courier New" panose="02070309020205020404" pitchFamily="49" charset="0"/>
                   </a:rPr>
-                  <a:t>cmp</a:t>
-                </a:r>
-                <a:r>
-                  <a:rPr lang="en-US" sz="2100" b="1" dirty="0" err="1" smtClean="0">
-                    <a:solidFill>
-                      <a:srgbClr val="C00000"/>
-                    </a:solidFill>
-                    <a:latin typeface="Courier New" panose="02070309020205020404" pitchFamily="49" charset="0"/>
-                    <a:cs typeface="Courier New" panose="02070309020205020404" pitchFamily="49" charset="0"/>
-                  </a:rPr>
-                  <a:t>_label</a:t>
+                  <a:t>cmp_label</a:t>
                 </a:r>
                 <a:r>
                   <a:rPr lang="en-US" sz="2100" b="1" dirty="0" smtClean="0">
-                    <a:solidFill>
-                      <a:srgbClr val="C00000"/>
-                    </a:solidFill>
                     <a:latin typeface="Courier New" panose="02070309020205020404" pitchFamily="49" charset="0"/>
                     <a:cs typeface="Courier New" panose="02070309020205020404" pitchFamily="49" charset="0"/>
                   </a:rPr>
                   <a:t>:</a:t>
                 </a:r>
                 <a:endParaRPr lang="en-US" sz="2100" b="1" dirty="0">
-                  <a:solidFill>
-                    <a:srgbClr val="C00000"/>
-                  </a:solidFill>
                   <a:latin typeface="Courier New" panose="02070309020205020404" pitchFamily="49" charset="0"/>
                   <a:cs typeface="Courier New" panose="02070309020205020404" pitchFamily="49" charset="0"/>
                 </a:endParaRPr>
@@ -29056,9 +29707,6 @@
               <a:p>
                 <a:r>
                   <a:rPr lang="en-US" sz="2100" b="1" dirty="0">
-                    <a:solidFill>
-                      <a:srgbClr val="C00000"/>
-                    </a:solidFill>
                     <a:latin typeface="Courier New" panose="02070309020205020404" pitchFamily="49" charset="0"/>
                     <a:cs typeface="Courier New" panose="02070309020205020404" pitchFamily="49" charset="0"/>
                   </a:rPr>
@@ -29066,9 +29714,6 @@
                 </a:r>
                 <a:r>
                   <a:rPr lang="en-US" sz="2100" b="1" dirty="0" smtClean="0">
-                    <a:solidFill>
-                      <a:srgbClr val="C00000"/>
-                    </a:solidFill>
                     <a:latin typeface="Courier New" panose="02070309020205020404" pitchFamily="49" charset="0"/>
                     <a:cs typeface="Courier New" panose="02070309020205020404" pitchFamily="49" charset="0"/>
                   </a:rPr>
@@ -29076,9 +29721,6 @@
                 </a:r>
                 <a:r>
                   <a:rPr lang="en-US" sz="2100" b="1" dirty="0">
-                    <a:solidFill>
-                      <a:srgbClr val="C00000"/>
-                    </a:solidFill>
                     <a:latin typeface="Courier New" panose="02070309020205020404" pitchFamily="49" charset="0"/>
                     <a:cs typeface="Courier New" panose="02070309020205020404" pitchFamily="49" charset="0"/>
                   </a:rPr>
@@ -29113,13 +29755,12 @@
                 </a:endParaRPr>
               </a:p>
               <a:p>
-                <a:pPr/>
                 <a14:m>
                   <m:oMath xmlns:m="http://schemas.openxmlformats.org/officeDocument/2006/math">
                     <m:sSub>
                       <m:sSubPr>
                         <m:ctrlPr>
-                          <a:rPr lang="en-US" sz="2000" i="1">
+                          <a:rPr lang="en-US" sz="2100" i="1">
                             <a:latin typeface="Cambria Math" panose="02040503050406030204" pitchFamily="18" charset="0"/>
                             <a:cs typeface="Courier New" panose="02070309020205020404" pitchFamily="49" charset="0"/>
                           </a:rPr>
@@ -29127,7 +29768,7 @@
                       </m:sSubPr>
                       <m:e>
                         <m:r>
-                          <a:rPr lang="en-US" sz="2000" i="1">
+                          <a:rPr lang="en-US" sz="2100" i="1">
                             <a:latin typeface="Cambria Math" panose="02040503050406030204" pitchFamily="18" charset="0"/>
                             <a:cs typeface="Courier New" panose="02070309020205020404" pitchFamily="49" charset="0"/>
                           </a:rPr>
@@ -29136,7 +29777,7 @@
                       </m:e>
                       <m:sub>
                         <m:r>
-                          <a:rPr lang="en-US" sz="2000" i="1">
+                          <a:rPr lang="en-US" sz="2100" i="1">
                             <a:latin typeface="Cambria Math" panose="02040503050406030204" pitchFamily="18" charset="0"/>
                             <a:cs typeface="Courier New" panose="02070309020205020404" pitchFamily="49" charset="0"/>
                           </a:rPr>
@@ -29145,7 +29786,7 @@
                       </m:sub>
                     </m:sSub>
                     <m:r>
-                      <a:rPr lang="en-US" sz="2000" i="1">
+                      <a:rPr lang="en-US" sz="2100" i="1">
                         <a:latin typeface="Cambria Math" panose="02040503050406030204" pitchFamily="18" charset="0"/>
                         <a:cs typeface="Courier New" panose="02070309020205020404" pitchFamily="49" charset="0"/>
                       </a:rPr>
@@ -29154,13 +29795,27 @@
                   </m:oMath>
                 </a14:m>
                 <a:r>
-                  <a:rPr lang="en-US" sz="2000" b="1" dirty="0" smtClean="0">
+                  <a:rPr lang="en-US" sz="2100" b="1" dirty="0" smtClean="0">
+                    <a:solidFill>
+                      <a:srgbClr val="C00000"/>
+                    </a:solidFill>
                     <a:latin typeface="Courier New" panose="02070309020205020404" pitchFamily="49" charset="0"/>
                     <a:cs typeface="Courier New" panose="02070309020205020404" pitchFamily="49" charset="0"/>
                   </a:rPr>
-                  <a:t>x = x – 1)</a:t>
+                  <a:t>x = x – 1</a:t>
                 </a:r>
-                <a:endParaRPr lang="en-US" sz="2000" b="1" dirty="0">
+                <a14:m>
+                  <m:oMath xmlns:m="http://schemas.openxmlformats.org/officeDocument/2006/math">
+                    <m:r>
+                      <a:rPr lang="en-US" sz="2100" i="1">
+                        <a:latin typeface="Cambria Math" panose="02040503050406030204" pitchFamily="18" charset="0"/>
+                        <a:cs typeface="Courier New" panose="02070309020205020404" pitchFamily="49" charset="0"/>
+                      </a:rPr>
+                      <m:t>)</m:t>
+                    </m:r>
+                  </m:oMath>
+                </a14:m>
+                <a:endParaRPr lang="en-US" sz="2100" b="1" dirty="0">
                   <a:latin typeface="Courier New" panose="02070309020205020404" pitchFamily="49" charset="0"/>
                   <a:cs typeface="Courier New" panose="02070309020205020404" pitchFamily="49" charset="0"/>
                 </a:endParaRPr>
@@ -29193,6 +29848,13 @@
                   </a:rPr>
                   <a:t>end_label</a:t>
                 </a:r>
+                <a:r>
+                  <a:rPr lang="en-US" sz="2100" b="1" dirty="0" smtClean="0">
+                    <a:latin typeface="Courier New" panose="02070309020205020404" pitchFamily="49" charset="0"/>
+                    <a:cs typeface="Courier New" panose="02070309020205020404" pitchFamily="49" charset="0"/>
+                  </a:rPr>
+                  <a:t>:</a:t>
+                </a:r>
                 <a:endParaRPr lang="en-US" sz="2100" b="1" dirty="0">
                   <a:latin typeface="Courier New" panose="02070309020205020404" pitchFamily="49" charset="0"/>
                   <a:cs typeface="Courier New" panose="02070309020205020404" pitchFamily="49" charset="0"/>
@@ -29221,7 +29883,7 @@
               <a:blipFill>
                 <a:blip r:embed="rId3"/>
                 <a:stretch>
-                  <a:fillRect l="-1546" t="-743" b="-1485"/>
+                  <a:fillRect l="-1546" t="-743" b="-1856"/>
                 </a:stretch>
               </a:blipFill>
             </p:spPr>
@@ -29360,7 +30022,7 @@
     </p:spTree>
     <p:extLst>
       <p:ext uri="{BB962C8B-B14F-4D97-AF65-F5344CB8AC3E}">
-        <p14:creationId xmlns:p14="http://schemas.microsoft.com/office/powerpoint/2010/main" val="1082586957"/>
+        <p14:creationId xmlns:p14="http://schemas.microsoft.com/office/powerpoint/2010/main" val="1497485399"/>
       </p:ext>
     </p:extLst>
   </p:cSld>
@@ -29377,8 +30039,8 @@
 </p:sld>
 </file>
 
-<file path=ppt/slides/slide41.xml><?xml version="1.0" encoding="utf-8"?>
-<p:sld xmlns:a="http://schemas.openxmlformats.org/drawingml/2006/main" xmlns:r="http://schemas.openxmlformats.org/officeDocument/2006/relationships" xmlns:p="http://schemas.openxmlformats.org/presentationml/2006/main">
+<file path=ppt/slides/slide42.xml><?xml version="1.0" encoding="utf-8"?>
+<p:sld xmlns:a="http://schemas.openxmlformats.org/drawingml/2006/main" xmlns:r="http://schemas.openxmlformats.org/officeDocument/2006/relationships" xmlns:p="http://schemas.openxmlformats.org/presentationml/2006/main" showMasterSp="0">
   <p:cSld>
     <p:spTree>
       <p:nvGrpSpPr>
@@ -29606,14 +30268,7 @@
                 <a:latin typeface="Courier New" panose="02070309020205020404" pitchFamily="49" charset="0"/>
                 <a:cs typeface="Courier New" panose="02070309020205020404" pitchFamily="49" charset="0"/>
               </a:rPr>
-              <a:t>cmp</a:t>
-            </a:r>
-            <a:r>
-              <a:rPr lang="en-US" sz="2000" b="1" dirty="0" err="1" smtClean="0">
-                <a:latin typeface="Courier New" panose="02070309020205020404" pitchFamily="49" charset="0"/>
-                <a:cs typeface="Courier New" panose="02070309020205020404" pitchFamily="49" charset="0"/>
-              </a:rPr>
-              <a:t>_label</a:t>
+              <a:t>cmp_label</a:t>
             </a:r>
             <a:r>
               <a:rPr lang="en-US" sz="2000" b="1" dirty="0" smtClean="0">
@@ -29680,9 +30335,6 @@
           <a:p>
             <a:r>
               <a:rPr lang="en-US" sz="2000" b="1" dirty="0" smtClean="0">
-                <a:solidFill>
-                  <a:srgbClr val="C00000"/>
-                </a:solidFill>
                 <a:latin typeface="Courier New" panose="02070309020205020404" pitchFamily="49" charset="0"/>
                 <a:cs typeface="Courier New" panose="02070309020205020404" pitchFamily="49" charset="0"/>
               </a:rPr>
@@ -29692,57 +30344,28 @@
           <a:p>
             <a:r>
               <a:rPr lang="en-US" sz="2000" b="1" dirty="0" smtClean="0">
-                <a:solidFill>
-                  <a:srgbClr val="C00000"/>
-                </a:solidFill>
-                <a:latin typeface="Courier New" panose="02070309020205020404" pitchFamily="49" charset="0"/>
-                <a:cs typeface="Courier New" panose="02070309020205020404" pitchFamily="49" charset="0"/>
-              </a:rPr>
-              <a:t>t</a:t>
-            </a:r>
+                <a:latin typeface="Courier New" panose="02070309020205020404" pitchFamily="49" charset="0"/>
+                <a:cs typeface="Courier New" panose="02070309020205020404" pitchFamily="49" charset="0"/>
+              </a:rPr>
+              <a:t>t6 = 1</a:t>
+            </a:r>
+          </a:p>
+          <a:p>
             <a:r>
               <a:rPr lang="en-US" sz="2000" b="1" dirty="0" smtClean="0">
-                <a:solidFill>
-                  <a:srgbClr val="C00000"/>
-                </a:solidFill>
-                <a:latin typeface="Courier New" panose="02070309020205020404" pitchFamily="49" charset="0"/>
-                <a:cs typeface="Courier New" panose="02070309020205020404" pitchFamily="49" charset="0"/>
-              </a:rPr>
-              <a:t>6 = 1</a:t>
+                <a:latin typeface="Courier New" panose="02070309020205020404" pitchFamily="49" charset="0"/>
+                <a:cs typeface="Courier New" panose="02070309020205020404" pitchFamily="49" charset="0"/>
+              </a:rPr>
+              <a:t>t7 = sub t5, t6</a:t>
             </a:r>
           </a:p>
           <a:p>
             <a:r>
               <a:rPr lang="en-US" sz="2000" b="1" dirty="0" smtClean="0">
-                <a:solidFill>
-                  <a:srgbClr val="C00000"/>
-                </a:solidFill>
-                <a:latin typeface="Courier New" panose="02070309020205020404" pitchFamily="49" charset="0"/>
-                <a:cs typeface="Courier New" panose="02070309020205020404" pitchFamily="49" charset="0"/>
-              </a:rPr>
-              <a:t>t7 = sub t5, t6</a:t>
-            </a:r>
-          </a:p>
-          <a:p>
-            <a:r>
-              <a:rPr lang="en-US" sz="2000" b="1" dirty="0" smtClean="0">
-                <a:solidFill>
-                  <a:srgbClr val="C00000"/>
-                </a:solidFill>
-                <a:latin typeface="Courier New" panose="02070309020205020404" pitchFamily="49" charset="0"/>
-                <a:cs typeface="Courier New" panose="02070309020205020404" pitchFamily="49" charset="0"/>
-              </a:rPr>
-              <a:t>x</a:t>
-            </a:r>
-            <a:r>
-              <a:rPr lang="en-US" sz="2000" b="1" dirty="0" smtClean="0">
-                <a:solidFill>
-                  <a:srgbClr val="C00000"/>
-                </a:solidFill>
-                <a:latin typeface="Courier New" panose="02070309020205020404" pitchFamily="49" charset="0"/>
-                <a:cs typeface="Courier New" panose="02070309020205020404" pitchFamily="49" charset="0"/>
-              </a:rPr>
-              <a:t> = t7</a:t>
+                <a:latin typeface="Courier New" panose="02070309020205020404" pitchFamily="49" charset="0"/>
+                <a:cs typeface="Courier New" panose="02070309020205020404" pitchFamily="49" charset="0"/>
+              </a:rPr>
+              <a:t>x = t7</a:t>
             </a:r>
           </a:p>
           <a:p>
@@ -29772,6 +30395,13 @@
                 <a:cs typeface="Courier New" panose="02070309020205020404" pitchFamily="49" charset="0"/>
               </a:rPr>
               <a:t>end_label</a:t>
+            </a:r>
+            <a:r>
+              <a:rPr lang="en-US" sz="2000" b="1" dirty="0" smtClean="0">
+                <a:latin typeface="Courier New" panose="02070309020205020404" pitchFamily="49" charset="0"/>
+                <a:cs typeface="Courier New" panose="02070309020205020404" pitchFamily="49" charset="0"/>
+              </a:rPr>
+              <a:t>:</a:t>
             </a:r>
             <a:endParaRPr lang="en-US" sz="2000" b="1" dirty="0">
               <a:latin typeface="Courier New" panose="02070309020205020404" pitchFamily="49" charset="0"/>
@@ -29917,8 +30547,8 @@
 </p:sld>
 </file>
 
-<file path=ppt/slides/slide42.xml><?xml version="1.0" encoding="utf-8"?>
-<p:sld xmlns:a="http://schemas.openxmlformats.org/drawingml/2006/main" xmlns:r="http://schemas.openxmlformats.org/officeDocument/2006/relationships" xmlns:p="http://schemas.openxmlformats.org/presentationml/2006/main">
+<file path=ppt/slides/slide43.xml><?xml version="1.0" encoding="utf-8"?>
+<p:sld xmlns:a="http://schemas.openxmlformats.org/drawingml/2006/main" xmlns:r="http://schemas.openxmlformats.org/officeDocument/2006/relationships" xmlns:p="http://schemas.openxmlformats.org/presentationml/2006/main" showMasterSp="0">
   <p:cSld>
     <p:spTree>
       <p:nvGrpSpPr>
@@ -30089,8 +30719,8 @@
 </p:sld>
 </file>
 
-<file path=ppt/slides/slide43.xml><?xml version="1.0" encoding="utf-8"?>
-<p:sld xmlns:a="http://schemas.openxmlformats.org/drawingml/2006/main" xmlns:r="http://schemas.openxmlformats.org/officeDocument/2006/relationships" xmlns:p="http://schemas.openxmlformats.org/presentationml/2006/main">
+<file path=ppt/slides/slide44.xml><?xml version="1.0" encoding="utf-8"?>
+<p:sld xmlns:a="http://schemas.openxmlformats.org/drawingml/2006/main" xmlns:r="http://schemas.openxmlformats.org/officeDocument/2006/relationships" xmlns:p="http://schemas.openxmlformats.org/presentationml/2006/main" showMasterSp="0">
   <p:cSld>
     <p:spTree>
       <p:nvGrpSpPr>
@@ -30242,19 +30872,8 @@
                 <a:latin typeface="Courier New" panose="02070309020205020404" pitchFamily="49" charset="0"/>
                 <a:cs typeface="Courier New" panose="02070309020205020404" pitchFamily="49" charset="0"/>
               </a:rPr>
-              <a:t>t3 = add t1, </a:t>
-            </a:r>
-            <a:r>
-              <a:rPr lang="en-US" sz="2400" b="1" dirty="0" smtClean="0">
-                <a:latin typeface="Courier New" panose="02070309020205020404" pitchFamily="49" charset="0"/>
-                <a:cs typeface="Courier New" panose="02070309020205020404" pitchFamily="49" charset="0"/>
-              </a:rPr>
-              <a:t>t2</a:t>
-            </a:r>
-            <a:endParaRPr lang="en-US" sz="2400" b="1" dirty="0" smtClean="0">
-              <a:latin typeface="Courier New" panose="02070309020205020404" pitchFamily="49" charset="0"/>
-              <a:cs typeface="Courier New" panose="02070309020205020404" pitchFamily="49" charset="0"/>
-            </a:endParaRPr>
+              <a:t>t3 = add t1, t2</a:t>
+            </a:r>
           </a:p>
           <a:p>
             <a:r>
@@ -30298,8 +30917,8 @@
 </p:sld>
 </file>
 
-<file path=ppt/slides/slide44.xml><?xml version="1.0" encoding="utf-8"?>
-<p:sld xmlns:a="http://schemas.openxmlformats.org/drawingml/2006/main" xmlns:r="http://schemas.openxmlformats.org/officeDocument/2006/relationships" xmlns:p="http://schemas.openxmlformats.org/presentationml/2006/main">
+<file path=ppt/slides/slide45.xml><?xml version="1.0" encoding="utf-8"?>
+<p:sld xmlns:a="http://schemas.openxmlformats.org/drawingml/2006/main" xmlns:r="http://schemas.openxmlformats.org/officeDocument/2006/relationships" xmlns:p="http://schemas.openxmlformats.org/presentationml/2006/main" showMasterSp="0">
   <p:cSld>
     <p:spTree>
       <p:nvGrpSpPr>
@@ -30445,14 +31064,7 @@
                 <a:latin typeface="Courier New" panose="02070309020205020404" pitchFamily="49" charset="0"/>
                 <a:cs typeface="Courier New" panose="02070309020205020404" pitchFamily="49" charset="0"/>
               </a:rPr>
-              <a:t>t2 </a:t>
-            </a:r>
-            <a:r>
-              <a:rPr lang="en-US" sz="2400" b="1" dirty="0" smtClean="0">
-                <a:latin typeface="Courier New" panose="02070309020205020404" pitchFamily="49" charset="0"/>
-                <a:cs typeface="Courier New" panose="02070309020205020404" pitchFamily="49" charset="0"/>
-              </a:rPr>
-              <a:t>= </a:t>
+              <a:t>t2 = </a:t>
             </a:r>
             <a:r>
               <a:rPr lang="en-US" sz="2400" b="1" dirty="0" smtClean="0">
@@ -30469,48 +31081,30 @@
                 <a:latin typeface="Courier New" panose="02070309020205020404" pitchFamily="49" charset="0"/>
                 <a:cs typeface="Courier New" panose="02070309020205020404" pitchFamily="49" charset="0"/>
               </a:rPr>
-              <a:t> </a:t>
-            </a:r>
+              <a:t> t1</a:t>
+            </a:r>
+          </a:p>
+          <a:p>
             <a:r>
               <a:rPr lang="en-US" sz="2400" b="1" dirty="0" smtClean="0">
                 <a:latin typeface="Courier New" panose="02070309020205020404" pitchFamily="49" charset="0"/>
                 <a:cs typeface="Courier New" panose="02070309020205020404" pitchFamily="49" charset="0"/>
               </a:rPr>
-              <a:t>t1</a:t>
-            </a:r>
-            <a:endParaRPr lang="en-US" sz="2400" b="1" dirty="0" smtClean="0">
-              <a:latin typeface="Courier New" panose="02070309020205020404" pitchFamily="49" charset="0"/>
-              <a:cs typeface="Courier New" panose="02070309020205020404" pitchFamily="49" charset="0"/>
-            </a:endParaRPr>
-          </a:p>
-          <a:p>
+              <a:t>t</a:t>
+            </a:r>
+            <a:r>
+              <a:rPr lang="en-US" sz="2400" b="1" dirty="0">
+                <a:latin typeface="Courier New" panose="02070309020205020404" pitchFamily="49" charset="0"/>
+                <a:cs typeface="Courier New" panose="02070309020205020404" pitchFamily="49" charset="0"/>
+              </a:rPr>
+              <a:t>3</a:t>
+            </a:r>
             <a:r>
               <a:rPr lang="en-US" sz="2400" b="1" dirty="0" smtClean="0">
                 <a:latin typeface="Courier New" panose="02070309020205020404" pitchFamily="49" charset="0"/>
                 <a:cs typeface="Courier New" panose="02070309020205020404" pitchFamily="49" charset="0"/>
               </a:rPr>
-              <a:t>t</a:t>
-            </a:r>
-            <a:r>
-              <a:rPr lang="en-US" sz="2400" b="1" dirty="0">
-                <a:latin typeface="Courier New" panose="02070309020205020404" pitchFamily="49" charset="0"/>
-                <a:cs typeface="Courier New" panose="02070309020205020404" pitchFamily="49" charset="0"/>
-              </a:rPr>
-              <a:t>3</a:t>
-            </a:r>
-            <a:r>
-              <a:rPr lang="en-US" sz="2400" b="1" dirty="0" smtClean="0">
-                <a:latin typeface="Courier New" panose="02070309020205020404" pitchFamily="49" charset="0"/>
-                <a:cs typeface="Courier New" panose="02070309020205020404" pitchFamily="49" charset="0"/>
-              </a:rPr>
-              <a:t> </a:t>
-            </a:r>
-            <a:r>
-              <a:rPr lang="en-US" sz="2400" b="1" dirty="0" smtClean="0">
-                <a:latin typeface="Courier New" panose="02070309020205020404" pitchFamily="49" charset="0"/>
-                <a:cs typeface="Courier New" panose="02070309020205020404" pitchFamily="49" charset="0"/>
-              </a:rPr>
-              <a:t>= 42</a:t>
+              <a:t> = 42</a:t>
             </a:r>
             <a:endParaRPr lang="en-US" sz="2400" b="1" dirty="0">
               <a:latin typeface="Courier New" panose="02070309020205020404" pitchFamily="49" charset="0"/>
@@ -30523,56 +31117,38 @@
                 <a:latin typeface="Courier New" panose="02070309020205020404" pitchFamily="49" charset="0"/>
                 <a:cs typeface="Courier New" panose="02070309020205020404" pitchFamily="49" charset="0"/>
               </a:rPr>
-              <a:t>t4 </a:t>
+              <a:t>t4 = add t2, t3</a:t>
+            </a:r>
+          </a:p>
+          <a:p>
+            <a:r>
+              <a:rPr lang="en-US" sz="2400" b="1" dirty="0">
+                <a:latin typeface="Courier New" panose="02070309020205020404" pitchFamily="49" charset="0"/>
+                <a:cs typeface="Courier New" panose="02070309020205020404" pitchFamily="49" charset="0"/>
+              </a:rPr>
+              <a:t>t</a:t>
             </a:r>
             <a:r>
               <a:rPr lang="en-US" sz="2400" b="1" dirty="0" smtClean="0">
                 <a:latin typeface="Courier New" panose="02070309020205020404" pitchFamily="49" charset="0"/>
                 <a:cs typeface="Courier New" panose="02070309020205020404" pitchFamily="49" charset="0"/>
               </a:rPr>
-              <a:t>= add </a:t>
+              <a:t>5 = sub </a:t>
+            </a:r>
+            <a:r>
+              <a:rPr lang="en-US" sz="2400" b="1" dirty="0" err="1" smtClean="0">
+                <a:latin typeface="Courier New" panose="02070309020205020404" pitchFamily="49" charset="0"/>
+                <a:cs typeface="Courier New" panose="02070309020205020404" pitchFamily="49" charset="0"/>
+              </a:rPr>
+              <a:t>fp</a:t>
             </a:r>
             <a:r>
               <a:rPr lang="en-US" sz="2400" b="1" dirty="0" smtClean="0">
                 <a:latin typeface="Courier New" panose="02070309020205020404" pitchFamily="49" charset="0"/>
                 <a:cs typeface="Courier New" panose="02070309020205020404" pitchFamily="49" charset="0"/>
               </a:rPr>
-              <a:t>t2, t3</a:t>
-            </a:r>
-          </a:p>
-          <a:p>
-            <a:r>
-              <a:rPr lang="en-US" sz="2400" b="1" dirty="0">
-                <a:latin typeface="Courier New" panose="02070309020205020404" pitchFamily="49" charset="0"/>
-                <a:cs typeface="Courier New" panose="02070309020205020404" pitchFamily="49" charset="0"/>
-              </a:rPr>
-              <a:t>t</a:t>
-            </a:r>
-            <a:r>
-              <a:rPr lang="en-US" sz="2400" b="1" dirty="0" smtClean="0">
-                <a:latin typeface="Courier New" panose="02070309020205020404" pitchFamily="49" charset="0"/>
-                <a:cs typeface="Courier New" panose="02070309020205020404" pitchFamily="49" charset="0"/>
-              </a:rPr>
-              <a:t>5 = sub </a:t>
-            </a:r>
-            <a:r>
-              <a:rPr lang="en-US" sz="2400" b="1" dirty="0" err="1" smtClean="0">
-                <a:latin typeface="Courier New" panose="02070309020205020404" pitchFamily="49" charset="0"/>
-                <a:cs typeface="Courier New" panose="02070309020205020404" pitchFamily="49" charset="0"/>
-              </a:rPr>
-              <a:t>fp</a:t>
-            </a:r>
-            <a:r>
-              <a:rPr lang="en-US" sz="2400" b="1" dirty="0" smtClean="0">
-                <a:latin typeface="Courier New" panose="02070309020205020404" pitchFamily="49" charset="0"/>
-                <a:cs typeface="Courier New" panose="02070309020205020404" pitchFamily="49" charset="0"/>
-              </a:rPr>
               <a:t>, 4</a:t>
             </a:r>
-            <a:endParaRPr lang="en-US" sz="2400" b="1" dirty="0" smtClean="0">
-              <a:latin typeface="Courier New" panose="02070309020205020404" pitchFamily="49" charset="0"/>
-              <a:cs typeface="Courier New" panose="02070309020205020404" pitchFamily="49" charset="0"/>
-            </a:endParaRPr>
           </a:p>
           <a:p>
             <a:r>
@@ -30600,21 +31176,7 @@
                 <a:latin typeface="Courier New" panose="02070309020205020404" pitchFamily="49" charset="0"/>
                 <a:cs typeface="Courier New" panose="02070309020205020404" pitchFamily="49" charset="0"/>
               </a:rPr>
-              <a:t> </a:t>
-            </a:r>
-            <a:r>
-              <a:rPr lang="en-US" sz="2400" b="1" dirty="0" smtClean="0">
-                <a:latin typeface="Courier New" panose="02070309020205020404" pitchFamily="49" charset="0"/>
-                <a:cs typeface="Courier New" panose="02070309020205020404" pitchFamily="49" charset="0"/>
-              </a:rPr>
-              <a:t>t5, </a:t>
-            </a:r>
-            <a:r>
-              <a:rPr lang="en-US" sz="2400" b="1" dirty="0" smtClean="0">
-                <a:latin typeface="Courier New" panose="02070309020205020404" pitchFamily="49" charset="0"/>
-                <a:cs typeface="Courier New" panose="02070309020205020404" pitchFamily="49" charset="0"/>
-              </a:rPr>
-              <a:t>t3</a:t>
+              <a:t> t5, t3</a:t>
             </a:r>
             <a:endParaRPr lang="en-US" sz="2400" b="1" dirty="0">
               <a:latin typeface="Courier New" panose="02070309020205020404" pitchFamily="49" charset="0"/>
@@ -30644,7 +31206,7 @@
 </file>
 
 <file path=ppt/slides/slide5.xml><?xml version="1.0" encoding="utf-8"?>
-<p:sld xmlns:a="http://schemas.openxmlformats.org/drawingml/2006/main" xmlns:r="http://schemas.openxmlformats.org/officeDocument/2006/relationships" xmlns:p="http://schemas.openxmlformats.org/presentationml/2006/main">
+<p:sld xmlns:a="http://schemas.openxmlformats.org/drawingml/2006/main" xmlns:r="http://schemas.openxmlformats.org/officeDocument/2006/relationships" xmlns:p="http://schemas.openxmlformats.org/presentationml/2006/main" showMasterSp="0">
   <p:cSld>
     <p:spTree>
       <p:nvGrpSpPr>
@@ -30694,8 +31256,8 @@
           </a:p>
         </p:txBody>
       </p:sp>
-      <mc:AlternateContent xmlns:mc="http://schemas.openxmlformats.org/markup-compatibility/2006">
-        <mc:Choice xmlns:a14="http://schemas.microsoft.com/office/drawing/2010/main" Requires="a14">
+      <mc:AlternateContent xmlns:mc="http://schemas.openxmlformats.org/markup-compatibility/2006" xmlns:a14="http://schemas.microsoft.com/office/drawing/2010/main">
+        <mc:Choice Requires="a14">
           <p:sp>
             <p:nvSpPr>
               <p:cNvPr id="5" name="TextBox 4"/>
@@ -30726,19 +31288,7 @@
                   <a:rPr lang="en-US" sz="2800" dirty="0" smtClean="0">
                     <a:latin typeface="+mj-lt"/>
                   </a:rPr>
-                  <a:t>For </a:t>
-                </a:r>
-                <a:r>
-                  <a:rPr lang="en-US" sz="2800" dirty="0" smtClean="0">
-                    <a:latin typeface="+mj-lt"/>
-                  </a:rPr>
-                  <a:t>leaf </a:t>
-                </a:r>
-                <a:r>
-                  <a:rPr lang="en-US" sz="2800" dirty="0" smtClean="0">
-                    <a:latin typeface="+mj-lt"/>
-                  </a:rPr>
-                  <a:t>node</a:t>
+                  <a:t>For leaf node</a:t>
                 </a:r>
               </a:p>
               <a:p>
@@ -30794,13 +31344,7 @@
                   <a:rPr lang="en-US" sz="2800" dirty="0" smtClean="0">
                     <a:latin typeface="+mj-lt"/>
                   </a:rPr>
-                  <a:t>For Internal</a:t>
-                </a:r>
-                <a:r>
-                  <a:rPr lang="en-US" sz="2800" dirty="0" smtClean="0">
-                    <a:latin typeface="+mj-lt"/>
-                  </a:rPr>
-                  <a:t> nodes</a:t>
+                  <a:t>For Internal nodes</a:t>
                 </a:r>
               </a:p>
               <a:p>
@@ -31027,7 +31571,7 @@
             </p:txBody>
           </p:sp>
         </mc:Choice>
-        <mc:Fallback>
+        <mc:Fallback xmlns="">
           <p:sp>
             <p:nvSpPr>
               <p:cNvPr id="5" name="TextBox 4"/>
@@ -31087,7 +31631,7 @@
 </file>
 
 <file path=ppt/slides/slide6.xml><?xml version="1.0" encoding="utf-8"?>
-<p:sld xmlns:a="http://schemas.openxmlformats.org/drawingml/2006/main" xmlns:r="http://schemas.openxmlformats.org/officeDocument/2006/relationships" xmlns:p="http://schemas.openxmlformats.org/presentationml/2006/main">
+<p:sld xmlns:a="http://schemas.openxmlformats.org/drawingml/2006/main" xmlns:r="http://schemas.openxmlformats.org/officeDocument/2006/relationships" xmlns:p="http://schemas.openxmlformats.org/presentationml/2006/main" showMasterSp="0">
   <p:cSld>
     <p:spTree>
       <p:nvGrpSpPr>
@@ -31137,8 +31681,8 @@
           </a:p>
         </p:txBody>
       </p:sp>
-      <mc:AlternateContent xmlns:mc="http://schemas.openxmlformats.org/markup-compatibility/2006">
-        <mc:Choice xmlns:a14="http://schemas.microsoft.com/office/drawing/2010/main" Requires="a14">
+      <mc:AlternateContent xmlns:mc="http://schemas.openxmlformats.org/markup-compatibility/2006" xmlns:a14="http://schemas.microsoft.com/office/drawing/2010/main">
+        <mc:Choice Requires="a14">
           <p:sp>
             <p:nvSpPr>
               <p:cNvPr id="5" name="TextBox 4"/>
@@ -31348,7 +31892,7 @@
             </p:txBody>
           </p:sp>
         </mc:Choice>
-        <mc:Fallback>
+        <mc:Fallback xmlns="">
           <p:sp>
             <p:nvSpPr>
               <p:cNvPr id="5" name="TextBox 4"/>
@@ -31408,7 +31952,7 @@
 </file>
 
 <file path=ppt/slides/slide7.xml><?xml version="1.0" encoding="utf-8"?>
-<p:sld xmlns:a="http://schemas.openxmlformats.org/drawingml/2006/main" xmlns:r="http://schemas.openxmlformats.org/officeDocument/2006/relationships" xmlns:p="http://schemas.openxmlformats.org/presentationml/2006/main">
+<p:sld xmlns:a="http://schemas.openxmlformats.org/drawingml/2006/main" xmlns:r="http://schemas.openxmlformats.org/officeDocument/2006/relationships" xmlns:p="http://schemas.openxmlformats.org/presentationml/2006/main" showMasterSp="0">
   <p:cSld>
     <p:spTree>
       <p:nvGrpSpPr>
@@ -31849,19 +32393,8 @@
                 <a:latin typeface="Courier New" panose="02070309020205020404" pitchFamily="49" charset="0"/>
                 <a:cs typeface="Courier New" panose="02070309020205020404" pitchFamily="49" charset="0"/>
               </a:rPr>
-              <a:t>t1 = </a:t>
-            </a:r>
-            <a:r>
-              <a:rPr lang="en-US" sz="2400" b="1" dirty="0" smtClean="0">
-                <a:latin typeface="Courier New" panose="02070309020205020404" pitchFamily="49" charset="0"/>
-                <a:cs typeface="Courier New" panose="02070309020205020404" pitchFamily="49" charset="0"/>
-              </a:rPr>
-              <a:t>x</a:t>
-            </a:r>
-            <a:endParaRPr lang="en-US" sz="2400" b="1" dirty="0" smtClean="0">
-              <a:latin typeface="Courier New" panose="02070309020205020404" pitchFamily="49" charset="0"/>
-              <a:cs typeface="Courier New" panose="02070309020205020404" pitchFamily="49" charset="0"/>
-            </a:endParaRPr>
+              <a:t>t1 = x</a:t>
+            </a:r>
           </a:p>
         </p:txBody>
       </p:sp>
@@ -31994,7 +32527,7 @@
 </file>
 
 <file path=ppt/slides/slide8.xml><?xml version="1.0" encoding="utf-8"?>
-<p:sld xmlns:a="http://schemas.openxmlformats.org/drawingml/2006/main" xmlns:r="http://schemas.openxmlformats.org/officeDocument/2006/relationships" xmlns:p="http://schemas.openxmlformats.org/presentationml/2006/main">
+<p:sld xmlns:a="http://schemas.openxmlformats.org/drawingml/2006/main" xmlns:r="http://schemas.openxmlformats.org/officeDocument/2006/relationships" xmlns:p="http://schemas.openxmlformats.org/presentationml/2006/main" showMasterSp="0">
   <p:cSld>
     <p:spTree>
       <p:nvGrpSpPr>
@@ -32451,14 +32984,7 @@
                 <a:latin typeface="Courier New" panose="02070309020205020404" pitchFamily="49" charset="0"/>
                 <a:cs typeface="Courier New" panose="02070309020205020404" pitchFamily="49" charset="0"/>
               </a:rPr>
-              <a:t>2 = </a:t>
-            </a:r>
-            <a:r>
-              <a:rPr lang="en-US" sz="2400" b="1" dirty="0" smtClean="0">
-                <a:latin typeface="Courier New" panose="02070309020205020404" pitchFamily="49" charset="0"/>
-                <a:cs typeface="Courier New" panose="02070309020205020404" pitchFamily="49" charset="0"/>
-              </a:rPr>
-              <a:t>42</a:t>
+              <a:t>2 = 42</a:t>
             </a:r>
             <a:endParaRPr lang="en-US" sz="2400" b="1" dirty="0">
               <a:latin typeface="Courier New" panose="02070309020205020404" pitchFamily="49" charset="0"/>
@@ -32596,7 +33122,7 @@
 </file>
 
 <file path=ppt/slides/slide9.xml><?xml version="1.0" encoding="utf-8"?>
-<p:sld xmlns:a="http://schemas.openxmlformats.org/drawingml/2006/main" xmlns:r="http://schemas.openxmlformats.org/officeDocument/2006/relationships" xmlns:p="http://schemas.openxmlformats.org/presentationml/2006/main">
+<p:sld xmlns:a="http://schemas.openxmlformats.org/drawingml/2006/main" xmlns:r="http://schemas.openxmlformats.org/officeDocument/2006/relationships" xmlns:p="http://schemas.openxmlformats.org/presentationml/2006/main" showMasterSp="0">
   <p:cSld>
     <p:spTree>
       <p:nvGrpSpPr>
